--- a/MathInML_Presentation.pptx
+++ b/MathInML_Presentation.pptx
@@ -6,6 +6,25 @@
   </p:sldMasterIdLst>
   <p:sldIdLst>
     <p:sldId id="256" r:id="rId2"/>
+    <p:sldId id="257" r:id="rId3"/>
+    <p:sldId id="258" r:id="rId4"/>
+    <p:sldId id="259" r:id="rId5"/>
+    <p:sldId id="260" r:id="rId6"/>
+    <p:sldId id="261" r:id="rId7"/>
+    <p:sldId id="262" r:id="rId8"/>
+    <p:sldId id="264" r:id="rId9"/>
+    <p:sldId id="263" r:id="rId10"/>
+    <p:sldId id="265" r:id="rId11"/>
+    <p:sldId id="266" r:id="rId12"/>
+    <p:sldId id="267" r:id="rId13"/>
+    <p:sldId id="268" r:id="rId14"/>
+    <p:sldId id="269" r:id="rId15"/>
+    <p:sldId id="270" r:id="rId16"/>
+    <p:sldId id="271" r:id="rId17"/>
+    <p:sldId id="272" r:id="rId18"/>
+    <p:sldId id="273" r:id="rId19"/>
+    <p:sldId id="274" r:id="rId20"/>
+    <p:sldId id="275" r:id="rId21"/>
   </p:sldIdLst>
   <p:sldSz cx="12192000" cy="6858000"/>
   <p:notesSz cx="6858000" cy="9144000"/>
@@ -104,6 +123,11 @@
       </a:defRPr>
     </a:lvl9pPr>
   </p:defaultTextStyle>
+  <p:extLst>
+    <p:ext uri="{EFAFB233-063F-42B5-8137-9DF3F51BA10A}">
+      <p15:sldGuideLst xmlns:p15="http://schemas.microsoft.com/office/powerpoint/2012/main"/>
+    </p:ext>
+  </p:extLst>
 </p:presentation>
 </file>
 
@@ -3307,6 +3331,14 @@
 <file path=ppt/slides/slide1.xml><?xml version="1.0" encoding="utf-8"?>
 <p:sld xmlns:a="http://schemas.openxmlformats.org/drawingml/2006/main" xmlns:r="http://schemas.openxmlformats.org/officeDocument/2006/relationships" xmlns:p="http://schemas.openxmlformats.org/presentationml/2006/main">
   <p:cSld>
+    <p:bg>
+      <p:bgPr>
+        <a:solidFill>
+          <a:schemeClr val="bg1"/>
+        </a:solidFill>
+        <a:effectLst/>
+      </p:bgPr>
+    </p:bg>
     <p:spTree>
       <p:nvGrpSpPr>
         <p:cNvPr id="1" name=""/>
@@ -3323,6 +3355,176 @@
       </p:grpSpPr>
       <p:sp>
         <p:nvSpPr>
+          <p:cNvPr id="10" name="Rectangle 9">
+            <a:extLst>
+              <a:ext uri="{FF2B5EF4-FFF2-40B4-BE49-F238E27FC236}">
+                <a16:creationId xmlns:a16="http://schemas.microsoft.com/office/drawing/2014/main" id="{74426AB7-D619-4515-962A-BC83909EC015}"/>
+              </a:ext>
+              <a:ext uri="{C183D7F6-B498-43B3-948B-1728B52AA6E4}">
+                <adec:decorative xmlns:adec="http://schemas.microsoft.com/office/drawing/2017/decorative" val="1"/>
+              </a:ext>
+            </a:extLst>
+          </p:cNvPr>
+          <p:cNvSpPr>
+            <a:spLocks noGrp="1" noRot="1" noChangeAspect="1" noMove="1" noResize="1" noEditPoints="1" noAdjustHandles="1" noChangeArrowheads="1" noChangeShapeType="1" noTextEdit="1"/>
+          </p:cNvSpPr>
+          <p:nvPr>
+            <p:extLst>
+              <p:ext uri="{386F3935-93C4-4BCD-93E2-E3B085C9AB24}">
+                <p16:designElem xmlns:p16="http://schemas.microsoft.com/office/powerpoint/2015/main" val="1"/>
+              </p:ext>
+            </p:extLst>
+          </p:nvPr>
+        </p:nvSpPr>
+        <p:spPr>
+          <a:xfrm>
+            <a:off x="0" y="0"/>
+            <a:ext cx="12192000" cy="6858000"/>
+          </a:xfrm>
+          <a:prstGeom prst="rect">
+            <a:avLst/>
+          </a:prstGeom>
+          <a:solidFill>
+            <a:srgbClr val="27405D"/>
+          </a:solidFill>
+          <a:ln>
+            <a:noFill/>
+          </a:ln>
+        </p:spPr>
+        <p:style>
+          <a:lnRef idx="2">
+            <a:schemeClr val="accent1">
+              <a:shade val="50000"/>
+            </a:schemeClr>
+          </a:lnRef>
+          <a:fillRef idx="1">
+            <a:schemeClr val="accent1"/>
+          </a:fillRef>
+          <a:effectRef idx="0">
+            <a:schemeClr val="accent1"/>
+          </a:effectRef>
+          <a:fontRef idx="minor">
+            <a:schemeClr val="lt1"/>
+          </a:fontRef>
+        </p:style>
+        <p:txBody>
+          <a:bodyPr rtlCol="0" anchor="ctr"/>
+          <a:lstStyle/>
+          <a:p>
+            <a:pPr algn="ctr"/>
+            <a:endParaRPr lang="en-US"/>
+          </a:p>
+        </p:txBody>
+      </p:sp>
+      <p:sp>
+        <p:nvSpPr>
+          <p:cNvPr id="12" name="Rectangle 11">
+            <a:extLst>
+              <a:ext uri="{FF2B5EF4-FFF2-40B4-BE49-F238E27FC236}">
+                <a16:creationId xmlns:a16="http://schemas.microsoft.com/office/drawing/2014/main" id="{DE47DF98-723F-4AAC-ABCF-CACBC438F78F}"/>
+              </a:ext>
+              <a:ext uri="{C183D7F6-B498-43B3-948B-1728B52AA6E4}">
+                <adec:decorative xmlns:adec="http://schemas.microsoft.com/office/drawing/2017/decorative" val="1"/>
+              </a:ext>
+            </a:extLst>
+          </p:cNvPr>
+          <p:cNvSpPr>
+            <a:spLocks noGrp="1" noRot="1" noChangeAspect="1" noMove="1" noResize="1" noEditPoints="1" noAdjustHandles="1" noChangeArrowheads="1" noChangeShapeType="1" noTextEdit="1"/>
+          </p:cNvSpPr>
+          <p:nvPr>
+            <p:extLst>
+              <p:ext uri="{386F3935-93C4-4BCD-93E2-E3B085C9AB24}">
+                <p16:designElem xmlns:p16="http://schemas.microsoft.com/office/powerpoint/2015/main" val="1"/>
+              </p:ext>
+            </p:extLst>
+          </p:nvPr>
+        </p:nvSpPr>
+        <p:spPr>
+          <a:xfrm>
+            <a:off x="243840" y="256540"/>
+            <a:ext cx="11704320" cy="6365239"/>
+          </a:xfrm>
+          <a:prstGeom prst="rect">
+            <a:avLst/>
+          </a:prstGeom>
+          <a:solidFill>
+            <a:srgbClr val="FFFFFF"/>
+          </a:solidFill>
+          <a:ln w="12700">
+            <a:noFill/>
+          </a:ln>
+        </p:spPr>
+        <p:style>
+          <a:lnRef idx="2">
+            <a:schemeClr val="accent1">
+              <a:shade val="50000"/>
+            </a:schemeClr>
+          </a:lnRef>
+          <a:fillRef idx="1">
+            <a:schemeClr val="accent1"/>
+          </a:fillRef>
+          <a:effectRef idx="0">
+            <a:schemeClr val="accent1"/>
+          </a:effectRef>
+          <a:fontRef idx="minor">
+            <a:schemeClr val="lt1"/>
+          </a:fontRef>
+        </p:style>
+      </p:sp>
+      <p:cxnSp>
+        <p:nvCxnSpPr>
+          <p:cNvPr id="14" name="Straight Connector 13">
+            <a:extLst>
+              <a:ext uri="{FF2B5EF4-FFF2-40B4-BE49-F238E27FC236}">
+                <a16:creationId xmlns:a16="http://schemas.microsoft.com/office/drawing/2014/main" id="{EA29FC7C-9308-4FDE-8DCA-405668055B0F}"/>
+              </a:ext>
+              <a:ext uri="{C183D7F6-B498-43B3-948B-1728B52AA6E4}">
+                <adec:decorative xmlns:adec="http://schemas.microsoft.com/office/drawing/2017/decorative" val="1"/>
+              </a:ext>
+            </a:extLst>
+          </p:cNvPr>
+          <p:cNvCxnSpPr>
+            <a:cxnSpLocks noGrp="1" noRot="1" noChangeAspect="1" noMove="1" noResize="1" noEditPoints="1" noAdjustHandles="1" noChangeArrowheads="1" noChangeShapeType="1"/>
+          </p:cNvCxnSpPr>
+          <p:nvPr>
+            <p:extLst>
+              <p:ext uri="{386F3935-93C4-4BCD-93E2-E3B085C9AB24}">
+                <p16:designElem xmlns:p16="http://schemas.microsoft.com/office/powerpoint/2015/main" val="1"/>
+              </p:ext>
+            </p:extLst>
+          </p:nvPr>
+        </p:nvCxnSpPr>
+        <p:spPr>
+          <a:xfrm>
+            <a:off x="2895600" y="5768204"/>
+            <a:ext cx="6400800" cy="0"/>
+          </a:xfrm>
+          <a:prstGeom prst="line">
+            <a:avLst/>
+          </a:prstGeom>
+          <a:ln>
+            <a:solidFill>
+              <a:srgbClr val="27405D"/>
+            </a:solidFill>
+          </a:ln>
+        </p:spPr>
+        <p:style>
+          <a:lnRef idx="1">
+            <a:schemeClr val="accent1"/>
+          </a:lnRef>
+          <a:fillRef idx="0">
+            <a:schemeClr val="accent1"/>
+          </a:fillRef>
+          <a:effectRef idx="0">
+            <a:schemeClr val="accent1"/>
+          </a:effectRef>
+          <a:fontRef idx="minor">
+            <a:schemeClr val="tx1"/>
+          </a:fontRef>
+        </p:style>
+      </p:cxnSp>
+      <p:sp>
+        <p:nvSpPr>
           <p:cNvPr id="2" name="Title 1">
             <a:extLst>
               <a:ext uri="{FF2B5EF4-FFF2-40B4-BE49-F238E27FC236}">
@@ -3337,12 +3539,47 @@
             <p:ph type="ctrTitle"/>
           </p:nvPr>
         </p:nvSpPr>
-        <p:spPr/>
-        <p:txBody>
-          <a:bodyPr/>
-          <a:lstStyle/>
-          <a:p>
-            <a:endParaRPr lang="en-US"/>
+        <p:spPr>
+          <a:xfrm>
+            <a:off x="1112520" y="4039211"/>
+            <a:ext cx="9966960" cy="1705325"/>
+          </a:xfrm>
+        </p:spPr>
+        <p:txBody>
+          <a:bodyPr>
+            <a:noAutofit/>
+          </a:bodyPr>
+          <a:lstStyle/>
+          <a:p>
+            <a:r>
+              <a:rPr lang="en-US" sz="4000" b="1" dirty="0">
+                <a:solidFill>
+                  <a:srgbClr val="27405D"/>
+                </a:solidFill>
+                <a:latin typeface="Times New Roman" panose="02020603050405020304" pitchFamily="18" charset="0"/>
+                <a:cs typeface="Times New Roman" panose="02020603050405020304" pitchFamily="18" charset="0"/>
+              </a:rPr>
+              <a:t>Higher Education Students Performance Evaluation Dataset Analysis</a:t>
+            </a:r>
+            <a:br>
+              <a:rPr lang="en-US" sz="4000" dirty="0">
+                <a:solidFill>
+                  <a:srgbClr val="27405D"/>
+                </a:solidFill>
+                <a:latin typeface="Times New Roman" panose="02020603050405020304" pitchFamily="18" charset="0"/>
+                <a:cs typeface="Times New Roman" panose="02020603050405020304" pitchFamily="18" charset="0"/>
+              </a:rPr>
+            </a:br>
+            <a:r>
+              <a:rPr lang="en-US" sz="4000" dirty="0">
+                <a:solidFill>
+                  <a:srgbClr val="27405D"/>
+                </a:solidFill>
+                <a:latin typeface="Times New Roman" panose="02020603050405020304" pitchFamily="18" charset="0"/>
+                <a:cs typeface="Times New Roman" panose="02020603050405020304" pitchFamily="18" charset="0"/>
+              </a:rPr>
+              <a:t>Mathematics in Machine Learning</a:t>
+            </a:r>
           </a:p>
         </p:txBody>
       </p:sp>
@@ -3362,19 +3599,3526 @@
             <p:ph type="subTitle" idx="1"/>
           </p:nvPr>
         </p:nvSpPr>
-        <p:spPr/>
-        <p:txBody>
-          <a:bodyPr/>
-          <a:lstStyle/>
-          <a:p>
-            <a:endParaRPr lang="en-US"/>
-          </a:p>
-        </p:txBody>
-      </p:sp>
+        <p:spPr>
+          <a:xfrm>
+            <a:off x="1534040" y="5815542"/>
+            <a:ext cx="8767860" cy="472107"/>
+          </a:xfrm>
+        </p:spPr>
+        <p:txBody>
+          <a:bodyPr>
+            <a:normAutofit/>
+          </a:bodyPr>
+          <a:lstStyle/>
+          <a:p>
+            <a:r>
+              <a:rPr lang="en-US" sz="2000" dirty="0">
+                <a:solidFill>
+                  <a:srgbClr val="27405D"/>
+                </a:solidFill>
+                <a:latin typeface="Times New Roman" panose="02020603050405020304" pitchFamily="18" charset="0"/>
+                <a:cs typeface="Times New Roman" panose="02020603050405020304" pitchFamily="18" charset="0"/>
+              </a:rPr>
+              <a:t>Ali Ghasemi(s289223)</a:t>
+            </a:r>
+            <a:endParaRPr lang="en-US" sz="2000" dirty="0">
+              <a:solidFill>
+                <a:srgbClr val="27405D"/>
+              </a:solidFill>
+            </a:endParaRPr>
+          </a:p>
+        </p:txBody>
+      </p:sp>
+      <p:pic>
+        <p:nvPicPr>
+          <p:cNvPr id="5" name="Picture 4" descr="Logo&#10;&#10;Description automatically generated">
+            <a:extLst>
+              <a:ext uri="{FF2B5EF4-FFF2-40B4-BE49-F238E27FC236}">
+                <a16:creationId xmlns:a16="http://schemas.microsoft.com/office/drawing/2014/main" id="{604993FE-9189-1316-228A-01C3ECE7FED5}"/>
+              </a:ext>
+            </a:extLst>
+          </p:cNvPr>
+          <p:cNvPicPr>
+            <a:picLocks noChangeAspect="1"/>
+          </p:cNvPicPr>
+          <p:nvPr/>
+        </p:nvPicPr>
+        <p:blipFill rotWithShape="1">
+          <a:blip r:embed="rId2">
+            <a:extLst>
+              <a:ext uri="{28A0092B-C50C-407E-A947-70E740481C1C}">
+                <a14:useLocalDpi xmlns:a14="http://schemas.microsoft.com/office/drawing/2010/main" val="0"/>
+              </a:ext>
+            </a:extLst>
+          </a:blip>
+          <a:srcRect t="27556" r="1" b="26987"/>
+          <a:stretch/>
+        </p:blipFill>
+        <p:spPr>
+          <a:xfrm>
+            <a:off x="2841964" y="725701"/>
+            <a:ext cx="6508072" cy="2093089"/>
+          </a:xfrm>
+          <a:prstGeom prst="rect">
+            <a:avLst/>
+          </a:prstGeom>
+        </p:spPr>
+      </p:pic>
     </p:spTree>
     <p:extLst>
       <p:ext uri="{BB962C8B-B14F-4D97-AF65-F5344CB8AC3E}">
         <p14:creationId xmlns:p14="http://schemas.microsoft.com/office/powerpoint/2010/main" val="479842967"/>
+      </p:ext>
+    </p:extLst>
+  </p:cSld>
+  <p:clrMapOvr>
+    <a:masterClrMapping/>
+  </p:clrMapOvr>
+</p:sld>
+</file>
+
+<file path=ppt/slides/slide10.xml><?xml version="1.0" encoding="utf-8"?>
+<p:sld xmlns:a="http://schemas.openxmlformats.org/drawingml/2006/main" xmlns:r="http://schemas.openxmlformats.org/officeDocument/2006/relationships" xmlns:p="http://schemas.openxmlformats.org/presentationml/2006/main">
+  <p:cSld>
+    <p:spTree>
+      <p:nvGrpSpPr>
+        <p:cNvPr id="1" name=""/>
+        <p:cNvGrpSpPr/>
+        <p:nvPr/>
+      </p:nvGrpSpPr>
+      <p:grpSpPr>
+        <a:xfrm>
+          <a:off x="0" y="0"/>
+          <a:ext cx="0" cy="0"/>
+          <a:chOff x="0" y="0"/>
+          <a:chExt cx="0" cy="0"/>
+        </a:xfrm>
+      </p:grpSpPr>
+      <p:sp>
+        <p:nvSpPr>
+          <p:cNvPr id="2" name="Title 1">
+            <a:extLst>
+              <a:ext uri="{FF2B5EF4-FFF2-40B4-BE49-F238E27FC236}">
+                <a16:creationId xmlns:a16="http://schemas.microsoft.com/office/drawing/2014/main" id="{613ED083-D120-D763-7DCD-0DDA6527EB13}"/>
+              </a:ext>
+            </a:extLst>
+          </p:cNvPr>
+          <p:cNvSpPr>
+            <a:spLocks noGrp="1"/>
+          </p:cNvSpPr>
+          <p:nvPr>
+            <p:ph type="title"/>
+          </p:nvPr>
+        </p:nvSpPr>
+        <p:spPr/>
+        <p:txBody>
+          <a:bodyPr/>
+          <a:lstStyle/>
+          <a:p>
+            <a:pPr algn="ctr"/>
+            <a:r>
+              <a:rPr lang="en-US" dirty="0"/>
+              <a:t>SVM</a:t>
+            </a:r>
+          </a:p>
+        </p:txBody>
+      </p:sp>
+      <p:pic>
+        <p:nvPicPr>
+          <p:cNvPr id="5" name="Content Placeholder 4" descr="Diagram&#10;&#10;Description automatically generated">
+            <a:extLst>
+              <a:ext uri="{FF2B5EF4-FFF2-40B4-BE49-F238E27FC236}">
+                <a16:creationId xmlns:a16="http://schemas.microsoft.com/office/drawing/2014/main" id="{F600BD59-1848-0CF0-97F4-708098023CB8}"/>
+              </a:ext>
+            </a:extLst>
+          </p:cNvPr>
+          <p:cNvPicPr>
+            <a:picLocks noGrp="1" noChangeAspect="1"/>
+          </p:cNvPicPr>
+          <p:nvPr>
+            <p:ph idx="1"/>
+          </p:nvPr>
+        </p:nvPicPr>
+        <p:blipFill>
+          <a:blip r:embed="rId2">
+            <a:extLst>
+              <a:ext uri="{28A0092B-C50C-407E-A947-70E740481C1C}">
+                <a14:useLocalDpi xmlns:a14="http://schemas.microsoft.com/office/drawing/2010/main" val="0"/>
+              </a:ext>
+            </a:extLst>
+          </a:blip>
+          <a:stretch>
+            <a:fillRect/>
+          </a:stretch>
+        </p:blipFill>
+        <p:spPr>
+          <a:xfrm>
+            <a:off x="3510961" y="1898965"/>
+            <a:ext cx="5170078" cy="4204658"/>
+          </a:xfrm>
+        </p:spPr>
+      </p:pic>
+    </p:spTree>
+    <p:extLst>
+      <p:ext uri="{BB962C8B-B14F-4D97-AF65-F5344CB8AC3E}">
+        <p14:creationId xmlns:p14="http://schemas.microsoft.com/office/powerpoint/2010/main" val="3024831414"/>
+      </p:ext>
+    </p:extLst>
+  </p:cSld>
+  <p:clrMapOvr>
+    <a:masterClrMapping/>
+  </p:clrMapOvr>
+</p:sld>
+</file>
+
+<file path=ppt/slides/slide11.xml><?xml version="1.0" encoding="utf-8"?>
+<p:sld xmlns:a="http://schemas.openxmlformats.org/drawingml/2006/main" xmlns:r="http://schemas.openxmlformats.org/officeDocument/2006/relationships" xmlns:p="http://schemas.openxmlformats.org/presentationml/2006/main">
+  <p:cSld>
+    <p:spTree>
+      <p:nvGrpSpPr>
+        <p:cNvPr id="1" name=""/>
+        <p:cNvGrpSpPr/>
+        <p:nvPr/>
+      </p:nvGrpSpPr>
+      <p:grpSpPr>
+        <a:xfrm>
+          <a:off x="0" y="0"/>
+          <a:ext cx="0" cy="0"/>
+          <a:chOff x="0" y="0"/>
+          <a:chExt cx="0" cy="0"/>
+        </a:xfrm>
+      </p:grpSpPr>
+      <p:sp>
+        <p:nvSpPr>
+          <p:cNvPr id="2" name="Title 1">
+            <a:extLst>
+              <a:ext uri="{FF2B5EF4-FFF2-40B4-BE49-F238E27FC236}">
+                <a16:creationId xmlns:a16="http://schemas.microsoft.com/office/drawing/2014/main" id="{C31B00DF-06CD-460C-327B-75271F237B7D}"/>
+              </a:ext>
+            </a:extLst>
+          </p:cNvPr>
+          <p:cNvSpPr>
+            <a:spLocks noGrp="1"/>
+          </p:cNvSpPr>
+          <p:nvPr>
+            <p:ph type="title"/>
+          </p:nvPr>
+        </p:nvSpPr>
+        <p:spPr/>
+        <p:txBody>
+          <a:bodyPr/>
+          <a:lstStyle/>
+          <a:p>
+            <a:pPr algn="ctr"/>
+            <a:r>
+              <a:rPr lang="en-US" dirty="0"/>
+              <a:t>SVM</a:t>
+            </a:r>
+          </a:p>
+        </p:txBody>
+      </p:sp>
+      <p:sp>
+        <p:nvSpPr>
+          <p:cNvPr id="3" name="Content Placeholder 2">
+            <a:extLst>
+              <a:ext uri="{FF2B5EF4-FFF2-40B4-BE49-F238E27FC236}">
+                <a16:creationId xmlns:a16="http://schemas.microsoft.com/office/drawing/2014/main" id="{2DCFC1FB-14A5-4267-B259-0895037EC37F}"/>
+              </a:ext>
+            </a:extLst>
+          </p:cNvPr>
+          <p:cNvSpPr>
+            <a:spLocks noGrp="1"/>
+          </p:cNvSpPr>
+          <p:nvPr>
+            <p:ph idx="1"/>
+          </p:nvPr>
+        </p:nvSpPr>
+        <p:spPr/>
+        <p:txBody>
+          <a:bodyPr/>
+          <a:lstStyle/>
+          <a:p>
+            <a:r>
+              <a:rPr lang="en-US" dirty="0"/>
+              <a:t>Results without PCA </a:t>
+            </a:r>
+          </a:p>
+          <a:p>
+            <a:endParaRPr lang="en-US" dirty="0"/>
+          </a:p>
+        </p:txBody>
+      </p:sp>
+      <p:pic>
+        <p:nvPicPr>
+          <p:cNvPr id="4" name="Picture 3">
+            <a:extLst>
+              <a:ext uri="{FF2B5EF4-FFF2-40B4-BE49-F238E27FC236}">
+                <a16:creationId xmlns:a16="http://schemas.microsoft.com/office/drawing/2014/main" id="{AF9094CD-FECF-AC97-AB79-187447AE93B2}"/>
+              </a:ext>
+            </a:extLst>
+          </p:cNvPr>
+          <p:cNvPicPr>
+            <a:picLocks noChangeAspect="1"/>
+          </p:cNvPicPr>
+          <p:nvPr/>
+        </p:nvPicPr>
+        <p:blipFill>
+          <a:blip r:embed="rId2"/>
+          <a:stretch>
+            <a:fillRect/>
+          </a:stretch>
+        </p:blipFill>
+        <p:spPr>
+          <a:xfrm>
+            <a:off x="4501337" y="1825625"/>
+            <a:ext cx="3680637" cy="4812297"/>
+          </a:xfrm>
+          <a:prstGeom prst="rect">
+            <a:avLst/>
+          </a:prstGeom>
+        </p:spPr>
+      </p:pic>
+    </p:spTree>
+    <p:extLst>
+      <p:ext uri="{BB962C8B-B14F-4D97-AF65-F5344CB8AC3E}">
+        <p14:creationId xmlns:p14="http://schemas.microsoft.com/office/powerpoint/2010/main" val="3855286696"/>
+      </p:ext>
+    </p:extLst>
+  </p:cSld>
+  <p:clrMapOvr>
+    <a:masterClrMapping/>
+  </p:clrMapOvr>
+</p:sld>
+</file>
+
+<file path=ppt/slides/slide12.xml><?xml version="1.0" encoding="utf-8"?>
+<p:sld xmlns:a="http://schemas.openxmlformats.org/drawingml/2006/main" xmlns:r="http://schemas.openxmlformats.org/officeDocument/2006/relationships" xmlns:p="http://schemas.openxmlformats.org/presentationml/2006/main">
+  <p:cSld>
+    <p:spTree>
+      <p:nvGrpSpPr>
+        <p:cNvPr id="1" name=""/>
+        <p:cNvGrpSpPr/>
+        <p:nvPr/>
+      </p:nvGrpSpPr>
+      <p:grpSpPr>
+        <a:xfrm>
+          <a:off x="0" y="0"/>
+          <a:ext cx="0" cy="0"/>
+          <a:chOff x="0" y="0"/>
+          <a:chExt cx="0" cy="0"/>
+        </a:xfrm>
+      </p:grpSpPr>
+      <p:sp>
+        <p:nvSpPr>
+          <p:cNvPr id="2" name="Title 1">
+            <a:extLst>
+              <a:ext uri="{FF2B5EF4-FFF2-40B4-BE49-F238E27FC236}">
+                <a16:creationId xmlns:a16="http://schemas.microsoft.com/office/drawing/2014/main" id="{C45B49EA-E390-E77D-7A44-E26E417A4946}"/>
+              </a:ext>
+            </a:extLst>
+          </p:cNvPr>
+          <p:cNvSpPr>
+            <a:spLocks noGrp="1"/>
+          </p:cNvSpPr>
+          <p:nvPr>
+            <p:ph type="title"/>
+          </p:nvPr>
+        </p:nvSpPr>
+        <p:spPr/>
+        <p:txBody>
+          <a:bodyPr/>
+          <a:lstStyle/>
+          <a:p>
+            <a:pPr algn="ctr"/>
+            <a:r>
+              <a:rPr lang="en-US" dirty="0"/>
+              <a:t>SVM</a:t>
+            </a:r>
+          </a:p>
+        </p:txBody>
+      </p:sp>
+      <p:sp>
+        <p:nvSpPr>
+          <p:cNvPr id="3" name="Content Placeholder 2">
+            <a:extLst>
+              <a:ext uri="{FF2B5EF4-FFF2-40B4-BE49-F238E27FC236}">
+                <a16:creationId xmlns:a16="http://schemas.microsoft.com/office/drawing/2014/main" id="{C0446187-F587-76E4-D8E7-A03CB3F1B1D1}"/>
+              </a:ext>
+            </a:extLst>
+          </p:cNvPr>
+          <p:cNvSpPr>
+            <a:spLocks noGrp="1"/>
+          </p:cNvSpPr>
+          <p:nvPr>
+            <p:ph idx="1"/>
+          </p:nvPr>
+        </p:nvSpPr>
+        <p:spPr/>
+        <p:txBody>
+          <a:bodyPr/>
+          <a:lstStyle/>
+          <a:p>
+            <a:r>
+              <a:rPr lang="en-US" dirty="0"/>
+              <a:t>Results with PCA</a:t>
+            </a:r>
+          </a:p>
+          <a:p>
+            <a:endParaRPr lang="en-US" dirty="0"/>
+          </a:p>
+        </p:txBody>
+      </p:sp>
+      <p:pic>
+        <p:nvPicPr>
+          <p:cNvPr id="4" name="Picture 3">
+            <a:extLst>
+              <a:ext uri="{FF2B5EF4-FFF2-40B4-BE49-F238E27FC236}">
+                <a16:creationId xmlns:a16="http://schemas.microsoft.com/office/drawing/2014/main" id="{8AB5CDE1-DD61-B6DD-D6D9-D77D7224F6FD}"/>
+              </a:ext>
+            </a:extLst>
+          </p:cNvPr>
+          <p:cNvPicPr>
+            <a:picLocks noChangeAspect="1"/>
+          </p:cNvPicPr>
+          <p:nvPr/>
+        </p:nvPicPr>
+        <p:blipFill>
+          <a:blip r:embed="rId2">
+            <a:extLst>
+              <a:ext uri="{28A0092B-C50C-407E-A947-70E740481C1C}">
+                <a14:useLocalDpi xmlns:a14="http://schemas.microsoft.com/office/drawing/2010/main" val="0"/>
+              </a:ext>
+            </a:extLst>
+          </a:blip>
+          <a:srcRect/>
+          <a:stretch>
+            <a:fillRect/>
+          </a:stretch>
+        </p:blipFill>
+        <p:spPr bwMode="auto">
+          <a:xfrm>
+            <a:off x="1028699" y="2691765"/>
+            <a:ext cx="4029075" cy="3395638"/>
+          </a:xfrm>
+          <a:prstGeom prst="rect">
+            <a:avLst/>
+          </a:prstGeom>
+          <a:noFill/>
+          <a:ln>
+            <a:noFill/>
+          </a:ln>
+        </p:spPr>
+      </p:pic>
+      <p:pic>
+        <p:nvPicPr>
+          <p:cNvPr id="5" name="Picture 4">
+            <a:extLst>
+              <a:ext uri="{FF2B5EF4-FFF2-40B4-BE49-F238E27FC236}">
+                <a16:creationId xmlns:a16="http://schemas.microsoft.com/office/drawing/2014/main" id="{A173FEB7-C6F3-2585-EE32-DF680438ADD3}"/>
+              </a:ext>
+            </a:extLst>
+          </p:cNvPr>
+          <p:cNvPicPr>
+            <a:picLocks noChangeAspect="1"/>
+          </p:cNvPicPr>
+          <p:nvPr/>
+        </p:nvPicPr>
+        <p:blipFill>
+          <a:blip r:embed="rId3">
+            <a:extLst>
+              <a:ext uri="{28A0092B-C50C-407E-A947-70E740481C1C}">
+                <a14:useLocalDpi xmlns:a14="http://schemas.microsoft.com/office/drawing/2010/main" val="0"/>
+              </a:ext>
+            </a:extLst>
+          </a:blip>
+          <a:srcRect/>
+          <a:stretch>
+            <a:fillRect/>
+          </a:stretch>
+        </p:blipFill>
+        <p:spPr bwMode="auto">
+          <a:xfrm>
+            <a:off x="6743700" y="2691765"/>
+            <a:ext cx="4352925" cy="3522125"/>
+          </a:xfrm>
+          <a:prstGeom prst="rect">
+            <a:avLst/>
+          </a:prstGeom>
+          <a:noFill/>
+          <a:ln>
+            <a:noFill/>
+          </a:ln>
+        </p:spPr>
+      </p:pic>
+    </p:spTree>
+    <p:extLst>
+      <p:ext uri="{BB962C8B-B14F-4D97-AF65-F5344CB8AC3E}">
+        <p14:creationId xmlns:p14="http://schemas.microsoft.com/office/powerpoint/2010/main" val="1431686930"/>
+      </p:ext>
+    </p:extLst>
+  </p:cSld>
+  <p:clrMapOvr>
+    <a:masterClrMapping/>
+  </p:clrMapOvr>
+</p:sld>
+</file>
+
+<file path=ppt/slides/slide13.xml><?xml version="1.0" encoding="utf-8"?>
+<p:sld xmlns:a="http://schemas.openxmlformats.org/drawingml/2006/main" xmlns:r="http://schemas.openxmlformats.org/officeDocument/2006/relationships" xmlns:p="http://schemas.openxmlformats.org/presentationml/2006/main">
+  <p:cSld>
+    <p:spTree>
+      <p:nvGrpSpPr>
+        <p:cNvPr id="1" name=""/>
+        <p:cNvGrpSpPr/>
+        <p:nvPr/>
+      </p:nvGrpSpPr>
+      <p:grpSpPr>
+        <a:xfrm>
+          <a:off x="0" y="0"/>
+          <a:ext cx="0" cy="0"/>
+          <a:chOff x="0" y="0"/>
+          <a:chExt cx="0" cy="0"/>
+        </a:xfrm>
+      </p:grpSpPr>
+      <p:sp>
+        <p:nvSpPr>
+          <p:cNvPr id="2" name="Title 1">
+            <a:extLst>
+              <a:ext uri="{FF2B5EF4-FFF2-40B4-BE49-F238E27FC236}">
+                <a16:creationId xmlns:a16="http://schemas.microsoft.com/office/drawing/2014/main" id="{DCD12B7C-B76B-C033-B1A9-14F7B18D3129}"/>
+              </a:ext>
+            </a:extLst>
+          </p:cNvPr>
+          <p:cNvSpPr>
+            <a:spLocks noGrp="1"/>
+          </p:cNvSpPr>
+          <p:nvPr>
+            <p:ph type="title"/>
+          </p:nvPr>
+        </p:nvSpPr>
+        <p:spPr/>
+        <p:txBody>
+          <a:bodyPr/>
+          <a:lstStyle/>
+          <a:p>
+            <a:pPr algn="ctr"/>
+            <a:r>
+              <a:rPr lang="en-US" dirty="0"/>
+              <a:t>Random Forests </a:t>
+            </a:r>
+          </a:p>
+        </p:txBody>
+      </p:sp>
+      <p:pic>
+        <p:nvPicPr>
+          <p:cNvPr id="5" name="Content Placeholder 4" descr="A picture containing diagram&#10;&#10;Description automatically generated">
+            <a:extLst>
+              <a:ext uri="{FF2B5EF4-FFF2-40B4-BE49-F238E27FC236}">
+                <a16:creationId xmlns:a16="http://schemas.microsoft.com/office/drawing/2014/main" id="{30E6AC3D-84CE-68FF-5EFE-E1C274DBB4DF}"/>
+              </a:ext>
+            </a:extLst>
+          </p:cNvPr>
+          <p:cNvPicPr>
+            <a:picLocks noGrp="1" noChangeAspect="1"/>
+          </p:cNvPicPr>
+          <p:nvPr>
+            <p:ph idx="1"/>
+          </p:nvPr>
+        </p:nvPicPr>
+        <p:blipFill>
+          <a:blip r:embed="rId2">
+            <a:extLst>
+              <a:ext uri="{28A0092B-C50C-407E-A947-70E740481C1C}">
+                <a14:useLocalDpi xmlns:a14="http://schemas.microsoft.com/office/drawing/2010/main" val="0"/>
+              </a:ext>
+            </a:extLst>
+          </a:blip>
+          <a:stretch>
+            <a:fillRect/>
+          </a:stretch>
+        </p:blipFill>
+        <p:spPr>
+          <a:xfrm>
+            <a:off x="3966456" y="1690688"/>
+            <a:ext cx="4432655" cy="4508500"/>
+          </a:xfrm>
+        </p:spPr>
+      </p:pic>
+    </p:spTree>
+    <p:extLst>
+      <p:ext uri="{BB962C8B-B14F-4D97-AF65-F5344CB8AC3E}">
+        <p14:creationId xmlns:p14="http://schemas.microsoft.com/office/powerpoint/2010/main" val="2468969198"/>
+      </p:ext>
+    </p:extLst>
+  </p:cSld>
+  <p:clrMapOvr>
+    <a:masterClrMapping/>
+  </p:clrMapOvr>
+</p:sld>
+</file>
+
+<file path=ppt/slides/slide14.xml><?xml version="1.0" encoding="utf-8"?>
+<p:sld xmlns:a="http://schemas.openxmlformats.org/drawingml/2006/main" xmlns:r="http://schemas.openxmlformats.org/officeDocument/2006/relationships" xmlns:p="http://schemas.openxmlformats.org/presentationml/2006/main">
+  <p:cSld>
+    <p:spTree>
+      <p:nvGrpSpPr>
+        <p:cNvPr id="1" name=""/>
+        <p:cNvGrpSpPr/>
+        <p:nvPr/>
+      </p:nvGrpSpPr>
+      <p:grpSpPr>
+        <a:xfrm>
+          <a:off x="0" y="0"/>
+          <a:ext cx="0" cy="0"/>
+          <a:chOff x="0" y="0"/>
+          <a:chExt cx="0" cy="0"/>
+        </a:xfrm>
+      </p:grpSpPr>
+      <p:sp>
+        <p:nvSpPr>
+          <p:cNvPr id="2" name="Title 1">
+            <a:extLst>
+              <a:ext uri="{FF2B5EF4-FFF2-40B4-BE49-F238E27FC236}">
+                <a16:creationId xmlns:a16="http://schemas.microsoft.com/office/drawing/2014/main" id="{114DDB25-0DD6-2589-C934-F6EC4EFBCFAB}"/>
+              </a:ext>
+            </a:extLst>
+          </p:cNvPr>
+          <p:cNvSpPr>
+            <a:spLocks noGrp="1"/>
+          </p:cNvSpPr>
+          <p:nvPr>
+            <p:ph type="title"/>
+          </p:nvPr>
+        </p:nvSpPr>
+        <p:spPr/>
+        <p:txBody>
+          <a:bodyPr/>
+          <a:lstStyle/>
+          <a:p>
+            <a:pPr algn="ctr"/>
+            <a:r>
+              <a:rPr lang="en-US" dirty="0"/>
+              <a:t>Random Forests </a:t>
+            </a:r>
+          </a:p>
+        </p:txBody>
+      </p:sp>
+      <p:sp>
+        <p:nvSpPr>
+          <p:cNvPr id="3" name="Content Placeholder 2">
+            <a:extLst>
+              <a:ext uri="{FF2B5EF4-FFF2-40B4-BE49-F238E27FC236}">
+                <a16:creationId xmlns:a16="http://schemas.microsoft.com/office/drawing/2014/main" id="{B7042DD8-84F6-065B-4AFA-5FBBD454C919}"/>
+              </a:ext>
+            </a:extLst>
+          </p:cNvPr>
+          <p:cNvSpPr>
+            <a:spLocks noGrp="1"/>
+          </p:cNvSpPr>
+          <p:nvPr>
+            <p:ph idx="1"/>
+          </p:nvPr>
+        </p:nvSpPr>
+        <p:spPr/>
+        <p:txBody>
+          <a:bodyPr/>
+          <a:lstStyle/>
+          <a:p>
+            <a:r>
+              <a:rPr lang="en-US" dirty="0"/>
+              <a:t>Results without PCA</a:t>
+            </a:r>
+          </a:p>
+          <a:p>
+            <a:endParaRPr lang="en-US" dirty="0"/>
+          </a:p>
+        </p:txBody>
+      </p:sp>
+      <p:pic>
+        <p:nvPicPr>
+          <p:cNvPr id="5" name="Picture 4">
+            <a:extLst>
+              <a:ext uri="{FF2B5EF4-FFF2-40B4-BE49-F238E27FC236}">
+                <a16:creationId xmlns:a16="http://schemas.microsoft.com/office/drawing/2014/main" id="{DBC42E57-D465-0323-732E-39185B808F2D}"/>
+              </a:ext>
+            </a:extLst>
+          </p:cNvPr>
+          <p:cNvPicPr>
+            <a:picLocks noChangeAspect="1"/>
+          </p:cNvPicPr>
+          <p:nvPr/>
+        </p:nvPicPr>
+        <p:blipFill>
+          <a:blip r:embed="rId2">
+            <a:extLst>
+              <a:ext uri="{28A0092B-C50C-407E-A947-70E740481C1C}">
+                <a14:useLocalDpi xmlns:a14="http://schemas.microsoft.com/office/drawing/2010/main" val="0"/>
+              </a:ext>
+            </a:extLst>
+          </a:blip>
+          <a:srcRect/>
+          <a:stretch>
+            <a:fillRect/>
+          </a:stretch>
+        </p:blipFill>
+        <p:spPr bwMode="auto">
+          <a:xfrm>
+            <a:off x="7248525" y="2504089"/>
+            <a:ext cx="4183670" cy="3672874"/>
+          </a:xfrm>
+          <a:prstGeom prst="rect">
+            <a:avLst/>
+          </a:prstGeom>
+          <a:noFill/>
+          <a:ln>
+            <a:noFill/>
+          </a:ln>
+        </p:spPr>
+      </p:pic>
+      <p:pic>
+        <p:nvPicPr>
+          <p:cNvPr id="7" name="Picture 6" descr="Table&#10;&#10;Description automatically generated">
+            <a:extLst>
+              <a:ext uri="{FF2B5EF4-FFF2-40B4-BE49-F238E27FC236}">
+                <a16:creationId xmlns:a16="http://schemas.microsoft.com/office/drawing/2014/main" id="{5303D9E8-D924-280C-BBC9-7C340EEC0B57}"/>
+              </a:ext>
+            </a:extLst>
+          </p:cNvPr>
+          <p:cNvPicPr>
+            <a:picLocks noChangeAspect="1"/>
+          </p:cNvPicPr>
+          <p:nvPr/>
+        </p:nvPicPr>
+        <p:blipFill>
+          <a:blip r:embed="rId3">
+            <a:extLst>
+              <a:ext uri="{28A0092B-C50C-407E-A947-70E740481C1C}">
+                <a14:useLocalDpi xmlns:a14="http://schemas.microsoft.com/office/drawing/2010/main" val="0"/>
+              </a:ext>
+            </a:extLst>
+          </a:blip>
+          <a:stretch>
+            <a:fillRect/>
+          </a:stretch>
+        </p:blipFill>
+        <p:spPr>
+          <a:xfrm>
+            <a:off x="838200" y="2439705"/>
+            <a:ext cx="4791075" cy="3583568"/>
+          </a:xfrm>
+          <a:prstGeom prst="rect">
+            <a:avLst/>
+          </a:prstGeom>
+        </p:spPr>
+      </p:pic>
+    </p:spTree>
+    <p:extLst>
+      <p:ext uri="{BB962C8B-B14F-4D97-AF65-F5344CB8AC3E}">
+        <p14:creationId xmlns:p14="http://schemas.microsoft.com/office/powerpoint/2010/main" val="2493023756"/>
+      </p:ext>
+    </p:extLst>
+  </p:cSld>
+  <p:clrMapOvr>
+    <a:masterClrMapping/>
+  </p:clrMapOvr>
+</p:sld>
+</file>
+
+<file path=ppt/slides/slide15.xml><?xml version="1.0" encoding="utf-8"?>
+<p:sld xmlns:a="http://schemas.openxmlformats.org/drawingml/2006/main" xmlns:r="http://schemas.openxmlformats.org/officeDocument/2006/relationships" xmlns:p="http://schemas.openxmlformats.org/presentationml/2006/main">
+  <p:cSld>
+    <p:spTree>
+      <p:nvGrpSpPr>
+        <p:cNvPr id="1" name=""/>
+        <p:cNvGrpSpPr/>
+        <p:nvPr/>
+      </p:nvGrpSpPr>
+      <p:grpSpPr>
+        <a:xfrm>
+          <a:off x="0" y="0"/>
+          <a:ext cx="0" cy="0"/>
+          <a:chOff x="0" y="0"/>
+          <a:chExt cx="0" cy="0"/>
+        </a:xfrm>
+      </p:grpSpPr>
+      <p:sp>
+        <p:nvSpPr>
+          <p:cNvPr id="2" name="Title 1">
+            <a:extLst>
+              <a:ext uri="{FF2B5EF4-FFF2-40B4-BE49-F238E27FC236}">
+                <a16:creationId xmlns:a16="http://schemas.microsoft.com/office/drawing/2014/main" id="{D2F2369B-DB3E-5AB9-224F-20F086853BB8}"/>
+              </a:ext>
+            </a:extLst>
+          </p:cNvPr>
+          <p:cNvSpPr>
+            <a:spLocks noGrp="1"/>
+          </p:cNvSpPr>
+          <p:nvPr>
+            <p:ph type="title"/>
+          </p:nvPr>
+        </p:nvSpPr>
+        <p:spPr/>
+        <p:txBody>
+          <a:bodyPr/>
+          <a:lstStyle/>
+          <a:p>
+            <a:pPr algn="ctr"/>
+            <a:r>
+              <a:rPr lang="en-US" dirty="0"/>
+              <a:t>Random Forests </a:t>
+            </a:r>
+          </a:p>
+        </p:txBody>
+      </p:sp>
+      <p:sp>
+        <p:nvSpPr>
+          <p:cNvPr id="3" name="Content Placeholder 2">
+            <a:extLst>
+              <a:ext uri="{FF2B5EF4-FFF2-40B4-BE49-F238E27FC236}">
+                <a16:creationId xmlns:a16="http://schemas.microsoft.com/office/drawing/2014/main" id="{7CC73940-E24B-A887-8DFF-D3935B5361BD}"/>
+              </a:ext>
+            </a:extLst>
+          </p:cNvPr>
+          <p:cNvSpPr>
+            <a:spLocks noGrp="1"/>
+          </p:cNvSpPr>
+          <p:nvPr>
+            <p:ph idx="1"/>
+          </p:nvPr>
+        </p:nvSpPr>
+        <p:spPr/>
+        <p:txBody>
+          <a:bodyPr/>
+          <a:lstStyle/>
+          <a:p>
+            <a:r>
+              <a:rPr lang="en-US" dirty="0"/>
+              <a:t>Results with PCA</a:t>
+            </a:r>
+          </a:p>
+          <a:p>
+            <a:endParaRPr lang="en-US" dirty="0"/>
+          </a:p>
+        </p:txBody>
+      </p:sp>
+      <p:pic>
+        <p:nvPicPr>
+          <p:cNvPr id="4" name="Picture 3">
+            <a:extLst>
+              <a:ext uri="{FF2B5EF4-FFF2-40B4-BE49-F238E27FC236}">
+                <a16:creationId xmlns:a16="http://schemas.microsoft.com/office/drawing/2014/main" id="{B0FE5C21-6993-81DD-9E33-F53A14284625}"/>
+              </a:ext>
+            </a:extLst>
+          </p:cNvPr>
+          <p:cNvPicPr>
+            <a:picLocks noChangeAspect="1"/>
+          </p:cNvPicPr>
+          <p:nvPr/>
+        </p:nvPicPr>
+        <p:blipFill>
+          <a:blip r:embed="rId2">
+            <a:extLst>
+              <a:ext uri="{28A0092B-C50C-407E-A947-70E740481C1C}">
+                <a14:useLocalDpi xmlns:a14="http://schemas.microsoft.com/office/drawing/2010/main" val="0"/>
+              </a:ext>
+            </a:extLst>
+          </a:blip>
+          <a:srcRect/>
+          <a:stretch>
+            <a:fillRect/>
+          </a:stretch>
+        </p:blipFill>
+        <p:spPr bwMode="auto">
+          <a:xfrm>
+            <a:off x="979169" y="2483365"/>
+            <a:ext cx="4278631" cy="3252811"/>
+          </a:xfrm>
+          <a:prstGeom prst="rect">
+            <a:avLst/>
+          </a:prstGeom>
+          <a:noFill/>
+          <a:ln>
+            <a:noFill/>
+          </a:ln>
+        </p:spPr>
+      </p:pic>
+      <p:pic>
+        <p:nvPicPr>
+          <p:cNvPr id="5" name="Picture 4" descr="Graphical user interface, application, table&#10;&#10;Description automatically generated">
+            <a:extLst>
+              <a:ext uri="{FF2B5EF4-FFF2-40B4-BE49-F238E27FC236}">
+                <a16:creationId xmlns:a16="http://schemas.microsoft.com/office/drawing/2014/main" id="{E576DF3A-FA68-1959-42AB-15DC7F18F3D1}"/>
+              </a:ext>
+            </a:extLst>
+          </p:cNvPr>
+          <p:cNvPicPr>
+            <a:picLocks noChangeAspect="1"/>
+          </p:cNvPicPr>
+          <p:nvPr/>
+        </p:nvPicPr>
+        <p:blipFill>
+          <a:blip r:embed="rId3">
+            <a:extLst>
+              <a:ext uri="{28A0092B-C50C-407E-A947-70E740481C1C}">
+                <a14:useLocalDpi xmlns:a14="http://schemas.microsoft.com/office/drawing/2010/main" val="0"/>
+              </a:ext>
+            </a:extLst>
+          </a:blip>
+          <a:stretch>
+            <a:fillRect/>
+          </a:stretch>
+        </p:blipFill>
+        <p:spPr>
+          <a:xfrm>
+            <a:off x="7028724" y="2149633"/>
+            <a:ext cx="4325076" cy="3784441"/>
+          </a:xfrm>
+          <a:prstGeom prst="rect">
+            <a:avLst/>
+          </a:prstGeom>
+        </p:spPr>
+      </p:pic>
+    </p:spTree>
+    <p:extLst>
+      <p:ext uri="{BB962C8B-B14F-4D97-AF65-F5344CB8AC3E}">
+        <p14:creationId xmlns:p14="http://schemas.microsoft.com/office/powerpoint/2010/main" val="4139343486"/>
+      </p:ext>
+    </p:extLst>
+  </p:cSld>
+  <p:clrMapOvr>
+    <a:masterClrMapping/>
+  </p:clrMapOvr>
+</p:sld>
+</file>
+
+<file path=ppt/slides/slide16.xml><?xml version="1.0" encoding="utf-8"?>
+<p:sld xmlns:a="http://schemas.openxmlformats.org/drawingml/2006/main" xmlns:r="http://schemas.openxmlformats.org/officeDocument/2006/relationships" xmlns:p="http://schemas.openxmlformats.org/presentationml/2006/main">
+  <p:cSld>
+    <p:spTree>
+      <p:nvGrpSpPr>
+        <p:cNvPr id="1" name=""/>
+        <p:cNvGrpSpPr/>
+        <p:nvPr/>
+      </p:nvGrpSpPr>
+      <p:grpSpPr>
+        <a:xfrm>
+          <a:off x="0" y="0"/>
+          <a:ext cx="0" cy="0"/>
+          <a:chOff x="0" y="0"/>
+          <a:chExt cx="0" cy="0"/>
+        </a:xfrm>
+      </p:grpSpPr>
+      <p:sp>
+        <p:nvSpPr>
+          <p:cNvPr id="2" name="Title 1">
+            <a:extLst>
+              <a:ext uri="{FF2B5EF4-FFF2-40B4-BE49-F238E27FC236}">
+                <a16:creationId xmlns:a16="http://schemas.microsoft.com/office/drawing/2014/main" id="{3A1A9381-3895-4289-877B-2446023D06AF}"/>
+              </a:ext>
+            </a:extLst>
+          </p:cNvPr>
+          <p:cNvSpPr>
+            <a:spLocks noGrp="1"/>
+          </p:cNvSpPr>
+          <p:nvPr>
+            <p:ph type="title"/>
+          </p:nvPr>
+        </p:nvSpPr>
+        <p:spPr/>
+        <p:txBody>
+          <a:bodyPr/>
+          <a:lstStyle/>
+          <a:p>
+            <a:pPr algn="ctr"/>
+            <a:r>
+              <a:rPr lang="en-US" dirty="0"/>
+              <a:t>Decision Trees </a:t>
+            </a:r>
+          </a:p>
+        </p:txBody>
+      </p:sp>
+      <p:pic>
+        <p:nvPicPr>
+          <p:cNvPr id="9" name="Content Placeholder 8" descr="Diagram&#10;&#10;Description automatically generated">
+            <a:extLst>
+              <a:ext uri="{FF2B5EF4-FFF2-40B4-BE49-F238E27FC236}">
+                <a16:creationId xmlns:a16="http://schemas.microsoft.com/office/drawing/2014/main" id="{4D798DB6-8C13-13D1-67F5-3781D7E37224}"/>
+              </a:ext>
+            </a:extLst>
+          </p:cNvPr>
+          <p:cNvPicPr>
+            <a:picLocks noGrp="1" noChangeAspect="1"/>
+          </p:cNvPicPr>
+          <p:nvPr>
+            <p:ph idx="1"/>
+          </p:nvPr>
+        </p:nvPicPr>
+        <p:blipFill>
+          <a:blip r:embed="rId2">
+            <a:extLst>
+              <a:ext uri="{28A0092B-C50C-407E-A947-70E740481C1C}">
+                <a14:useLocalDpi xmlns:a14="http://schemas.microsoft.com/office/drawing/2010/main" val="0"/>
+              </a:ext>
+            </a:extLst>
+          </a:blip>
+          <a:stretch>
+            <a:fillRect/>
+          </a:stretch>
+        </p:blipFill>
+        <p:spPr>
+          <a:xfrm>
+            <a:off x="2999089" y="1911363"/>
+            <a:ext cx="6193822" cy="3841737"/>
+          </a:xfrm>
+        </p:spPr>
+      </p:pic>
+    </p:spTree>
+    <p:extLst>
+      <p:ext uri="{BB962C8B-B14F-4D97-AF65-F5344CB8AC3E}">
+        <p14:creationId xmlns:p14="http://schemas.microsoft.com/office/powerpoint/2010/main" val="1136561421"/>
+      </p:ext>
+    </p:extLst>
+  </p:cSld>
+  <p:clrMapOvr>
+    <a:masterClrMapping/>
+  </p:clrMapOvr>
+</p:sld>
+</file>
+
+<file path=ppt/slides/slide17.xml><?xml version="1.0" encoding="utf-8"?>
+<p:sld xmlns:a="http://schemas.openxmlformats.org/drawingml/2006/main" xmlns:r="http://schemas.openxmlformats.org/officeDocument/2006/relationships" xmlns:p="http://schemas.openxmlformats.org/presentationml/2006/main">
+  <p:cSld>
+    <p:spTree>
+      <p:nvGrpSpPr>
+        <p:cNvPr id="1" name=""/>
+        <p:cNvGrpSpPr/>
+        <p:nvPr/>
+      </p:nvGrpSpPr>
+      <p:grpSpPr>
+        <a:xfrm>
+          <a:off x="0" y="0"/>
+          <a:ext cx="0" cy="0"/>
+          <a:chOff x="0" y="0"/>
+          <a:chExt cx="0" cy="0"/>
+        </a:xfrm>
+      </p:grpSpPr>
+      <p:sp>
+        <p:nvSpPr>
+          <p:cNvPr id="2" name="Title 1">
+            <a:extLst>
+              <a:ext uri="{FF2B5EF4-FFF2-40B4-BE49-F238E27FC236}">
+                <a16:creationId xmlns:a16="http://schemas.microsoft.com/office/drawing/2014/main" id="{4C147229-C2B3-C841-ACC8-42D5C401DEEE}"/>
+              </a:ext>
+            </a:extLst>
+          </p:cNvPr>
+          <p:cNvSpPr>
+            <a:spLocks noGrp="1"/>
+          </p:cNvSpPr>
+          <p:nvPr>
+            <p:ph type="title"/>
+          </p:nvPr>
+        </p:nvSpPr>
+        <p:spPr/>
+        <p:txBody>
+          <a:bodyPr/>
+          <a:lstStyle/>
+          <a:p>
+            <a:pPr algn="ctr"/>
+            <a:r>
+              <a:rPr lang="en-US" dirty="0"/>
+              <a:t>Decision Trees </a:t>
+            </a:r>
+          </a:p>
+        </p:txBody>
+      </p:sp>
+      <p:sp>
+        <p:nvSpPr>
+          <p:cNvPr id="3" name="Content Placeholder 2">
+            <a:extLst>
+              <a:ext uri="{FF2B5EF4-FFF2-40B4-BE49-F238E27FC236}">
+                <a16:creationId xmlns:a16="http://schemas.microsoft.com/office/drawing/2014/main" id="{1D41D53C-EACB-FCA8-2764-B7951B2F9A7B}"/>
+              </a:ext>
+            </a:extLst>
+          </p:cNvPr>
+          <p:cNvSpPr>
+            <a:spLocks noGrp="1"/>
+          </p:cNvSpPr>
+          <p:nvPr>
+            <p:ph idx="1"/>
+          </p:nvPr>
+        </p:nvSpPr>
+        <p:spPr/>
+        <p:txBody>
+          <a:bodyPr/>
+          <a:lstStyle/>
+          <a:p>
+            <a:r>
+              <a:rPr lang="en-US" dirty="0"/>
+              <a:t>Results without PCA</a:t>
+            </a:r>
+          </a:p>
+          <a:p>
+            <a:endParaRPr lang="en-US" dirty="0"/>
+          </a:p>
+        </p:txBody>
+      </p:sp>
+      <p:pic>
+        <p:nvPicPr>
+          <p:cNvPr id="4" name="Picture 3">
+            <a:extLst>
+              <a:ext uri="{FF2B5EF4-FFF2-40B4-BE49-F238E27FC236}">
+                <a16:creationId xmlns:a16="http://schemas.microsoft.com/office/drawing/2014/main" id="{F366F111-B35C-5F1B-029D-0A71B7D83A20}"/>
+              </a:ext>
+            </a:extLst>
+          </p:cNvPr>
+          <p:cNvPicPr>
+            <a:picLocks noChangeAspect="1"/>
+          </p:cNvPicPr>
+          <p:nvPr/>
+        </p:nvPicPr>
+        <p:blipFill>
+          <a:blip r:embed="rId2">
+            <a:extLst>
+              <a:ext uri="{28A0092B-C50C-407E-A947-70E740481C1C}">
+                <a14:useLocalDpi xmlns:a14="http://schemas.microsoft.com/office/drawing/2010/main" val="0"/>
+              </a:ext>
+            </a:extLst>
+          </a:blip>
+          <a:srcRect/>
+          <a:stretch>
+            <a:fillRect/>
+          </a:stretch>
+        </p:blipFill>
+        <p:spPr bwMode="auto">
+          <a:xfrm>
+            <a:off x="1087755" y="2543175"/>
+            <a:ext cx="3965718" cy="2998470"/>
+          </a:xfrm>
+          <a:prstGeom prst="rect">
+            <a:avLst/>
+          </a:prstGeom>
+          <a:noFill/>
+          <a:ln>
+            <a:noFill/>
+          </a:ln>
+        </p:spPr>
+      </p:pic>
+      <p:pic>
+        <p:nvPicPr>
+          <p:cNvPr id="5" name="Picture 4">
+            <a:extLst>
+              <a:ext uri="{FF2B5EF4-FFF2-40B4-BE49-F238E27FC236}">
+                <a16:creationId xmlns:a16="http://schemas.microsoft.com/office/drawing/2014/main" id="{A1EC7B91-CB39-7295-1442-E2693601436A}"/>
+              </a:ext>
+            </a:extLst>
+          </p:cNvPr>
+          <p:cNvPicPr>
+            <a:picLocks noChangeAspect="1"/>
+          </p:cNvPicPr>
+          <p:nvPr/>
+        </p:nvPicPr>
+        <p:blipFill>
+          <a:blip r:embed="rId3">
+            <a:extLst>
+              <a:ext uri="{28A0092B-C50C-407E-A947-70E740481C1C}">
+                <a14:useLocalDpi xmlns:a14="http://schemas.microsoft.com/office/drawing/2010/main" val="0"/>
+              </a:ext>
+            </a:extLst>
+          </a:blip>
+          <a:srcRect/>
+          <a:stretch>
+            <a:fillRect/>
+          </a:stretch>
+        </p:blipFill>
+        <p:spPr bwMode="auto">
+          <a:xfrm>
+            <a:off x="7787609" y="2238375"/>
+            <a:ext cx="4025296" cy="3598545"/>
+          </a:xfrm>
+          <a:prstGeom prst="rect">
+            <a:avLst/>
+          </a:prstGeom>
+          <a:noFill/>
+          <a:ln>
+            <a:noFill/>
+          </a:ln>
+        </p:spPr>
+      </p:pic>
+    </p:spTree>
+    <p:extLst>
+      <p:ext uri="{BB962C8B-B14F-4D97-AF65-F5344CB8AC3E}">
+        <p14:creationId xmlns:p14="http://schemas.microsoft.com/office/powerpoint/2010/main" val="1267060340"/>
+      </p:ext>
+    </p:extLst>
+  </p:cSld>
+  <p:clrMapOvr>
+    <a:masterClrMapping/>
+  </p:clrMapOvr>
+</p:sld>
+</file>
+
+<file path=ppt/slides/slide18.xml><?xml version="1.0" encoding="utf-8"?>
+<p:sld xmlns:a="http://schemas.openxmlformats.org/drawingml/2006/main" xmlns:r="http://schemas.openxmlformats.org/officeDocument/2006/relationships" xmlns:p="http://schemas.openxmlformats.org/presentationml/2006/main">
+  <p:cSld>
+    <p:spTree>
+      <p:nvGrpSpPr>
+        <p:cNvPr id="1" name=""/>
+        <p:cNvGrpSpPr/>
+        <p:nvPr/>
+      </p:nvGrpSpPr>
+      <p:grpSpPr>
+        <a:xfrm>
+          <a:off x="0" y="0"/>
+          <a:ext cx="0" cy="0"/>
+          <a:chOff x="0" y="0"/>
+          <a:chExt cx="0" cy="0"/>
+        </a:xfrm>
+      </p:grpSpPr>
+      <p:sp>
+        <p:nvSpPr>
+          <p:cNvPr id="2" name="Title 1">
+            <a:extLst>
+              <a:ext uri="{FF2B5EF4-FFF2-40B4-BE49-F238E27FC236}">
+                <a16:creationId xmlns:a16="http://schemas.microsoft.com/office/drawing/2014/main" id="{8CB429A7-0FD0-667C-2EF8-1018946E5324}"/>
+              </a:ext>
+            </a:extLst>
+          </p:cNvPr>
+          <p:cNvSpPr>
+            <a:spLocks noGrp="1"/>
+          </p:cNvSpPr>
+          <p:nvPr>
+            <p:ph type="title"/>
+          </p:nvPr>
+        </p:nvSpPr>
+        <p:spPr/>
+        <p:txBody>
+          <a:bodyPr/>
+          <a:lstStyle/>
+          <a:p>
+            <a:pPr algn="ctr"/>
+            <a:r>
+              <a:rPr lang="en-US" dirty="0"/>
+              <a:t>Decision Trees </a:t>
+            </a:r>
+          </a:p>
+        </p:txBody>
+      </p:sp>
+      <p:sp>
+        <p:nvSpPr>
+          <p:cNvPr id="3" name="Content Placeholder 2">
+            <a:extLst>
+              <a:ext uri="{FF2B5EF4-FFF2-40B4-BE49-F238E27FC236}">
+                <a16:creationId xmlns:a16="http://schemas.microsoft.com/office/drawing/2014/main" id="{06F89ED2-BB7A-43B8-9B53-1BE73EEB7443}"/>
+              </a:ext>
+            </a:extLst>
+          </p:cNvPr>
+          <p:cNvSpPr>
+            <a:spLocks noGrp="1"/>
+          </p:cNvSpPr>
+          <p:nvPr>
+            <p:ph idx="1"/>
+          </p:nvPr>
+        </p:nvSpPr>
+        <p:spPr/>
+        <p:txBody>
+          <a:bodyPr/>
+          <a:lstStyle/>
+          <a:p>
+            <a:r>
+              <a:rPr lang="en-US" dirty="0"/>
+              <a:t>Results with PCA</a:t>
+            </a:r>
+          </a:p>
+          <a:p>
+            <a:endParaRPr lang="en-US" dirty="0"/>
+          </a:p>
+        </p:txBody>
+      </p:sp>
+      <p:pic>
+        <p:nvPicPr>
+          <p:cNvPr id="4" name="Picture 3">
+            <a:extLst>
+              <a:ext uri="{FF2B5EF4-FFF2-40B4-BE49-F238E27FC236}">
+                <a16:creationId xmlns:a16="http://schemas.microsoft.com/office/drawing/2014/main" id="{E7A5F368-0574-C105-E06B-CAC1BBAB4D78}"/>
+              </a:ext>
+            </a:extLst>
+          </p:cNvPr>
+          <p:cNvPicPr>
+            <a:picLocks noChangeAspect="1"/>
+          </p:cNvPicPr>
+          <p:nvPr/>
+        </p:nvPicPr>
+        <p:blipFill>
+          <a:blip r:embed="rId2">
+            <a:extLst>
+              <a:ext uri="{28A0092B-C50C-407E-A947-70E740481C1C}">
+                <a14:useLocalDpi xmlns:a14="http://schemas.microsoft.com/office/drawing/2010/main" val="0"/>
+              </a:ext>
+            </a:extLst>
+          </a:blip>
+          <a:srcRect/>
+          <a:stretch>
+            <a:fillRect/>
+          </a:stretch>
+        </p:blipFill>
+        <p:spPr bwMode="auto">
+          <a:xfrm>
+            <a:off x="987567" y="2571750"/>
+            <a:ext cx="4357087" cy="3276600"/>
+          </a:xfrm>
+          <a:prstGeom prst="rect">
+            <a:avLst/>
+          </a:prstGeom>
+          <a:noFill/>
+          <a:ln>
+            <a:noFill/>
+          </a:ln>
+        </p:spPr>
+      </p:pic>
+      <p:pic>
+        <p:nvPicPr>
+          <p:cNvPr id="5" name="Picture 4">
+            <a:extLst>
+              <a:ext uri="{FF2B5EF4-FFF2-40B4-BE49-F238E27FC236}">
+                <a16:creationId xmlns:a16="http://schemas.microsoft.com/office/drawing/2014/main" id="{63D30271-3440-A7FF-3BB6-5A18D9EC29C6}"/>
+              </a:ext>
+            </a:extLst>
+          </p:cNvPr>
+          <p:cNvPicPr>
+            <a:picLocks noChangeAspect="1"/>
+          </p:cNvPicPr>
+          <p:nvPr/>
+        </p:nvPicPr>
+        <p:blipFill>
+          <a:blip r:embed="rId3">
+            <a:extLst>
+              <a:ext uri="{28A0092B-C50C-407E-A947-70E740481C1C}">
+                <a14:useLocalDpi xmlns:a14="http://schemas.microsoft.com/office/drawing/2010/main" val="0"/>
+              </a:ext>
+            </a:extLst>
+          </a:blip>
+          <a:srcRect/>
+          <a:stretch>
+            <a:fillRect/>
+          </a:stretch>
+        </p:blipFill>
+        <p:spPr bwMode="auto">
+          <a:xfrm>
+            <a:off x="7520940" y="2434907"/>
+            <a:ext cx="4072386" cy="3550285"/>
+          </a:xfrm>
+          <a:prstGeom prst="rect">
+            <a:avLst/>
+          </a:prstGeom>
+          <a:noFill/>
+          <a:ln>
+            <a:noFill/>
+          </a:ln>
+        </p:spPr>
+      </p:pic>
+    </p:spTree>
+    <p:extLst>
+      <p:ext uri="{BB962C8B-B14F-4D97-AF65-F5344CB8AC3E}">
+        <p14:creationId xmlns:p14="http://schemas.microsoft.com/office/powerpoint/2010/main" val="3339013964"/>
+      </p:ext>
+    </p:extLst>
+  </p:cSld>
+  <p:clrMapOvr>
+    <a:masterClrMapping/>
+  </p:clrMapOvr>
+</p:sld>
+</file>
+
+<file path=ppt/slides/slide19.xml><?xml version="1.0" encoding="utf-8"?>
+<p:sld xmlns:a="http://schemas.openxmlformats.org/drawingml/2006/main" xmlns:r="http://schemas.openxmlformats.org/officeDocument/2006/relationships" xmlns:p="http://schemas.openxmlformats.org/presentationml/2006/main">
+  <p:cSld>
+    <p:spTree>
+      <p:nvGrpSpPr>
+        <p:cNvPr id="1" name=""/>
+        <p:cNvGrpSpPr/>
+        <p:nvPr/>
+      </p:nvGrpSpPr>
+      <p:grpSpPr>
+        <a:xfrm>
+          <a:off x="0" y="0"/>
+          <a:ext cx="0" cy="0"/>
+          <a:chOff x="0" y="0"/>
+          <a:chExt cx="0" cy="0"/>
+        </a:xfrm>
+      </p:grpSpPr>
+      <p:sp>
+        <p:nvSpPr>
+          <p:cNvPr id="2" name="Title 1">
+            <a:extLst>
+              <a:ext uri="{FF2B5EF4-FFF2-40B4-BE49-F238E27FC236}">
+                <a16:creationId xmlns:a16="http://schemas.microsoft.com/office/drawing/2014/main" id="{B43E1D52-C56E-4525-A334-77E74ACE48D1}"/>
+              </a:ext>
+            </a:extLst>
+          </p:cNvPr>
+          <p:cNvSpPr>
+            <a:spLocks noGrp="1"/>
+          </p:cNvSpPr>
+          <p:nvPr>
+            <p:ph type="title"/>
+          </p:nvPr>
+        </p:nvSpPr>
+        <p:spPr/>
+        <p:txBody>
+          <a:bodyPr/>
+          <a:lstStyle/>
+          <a:p>
+            <a:pPr algn="ctr"/>
+            <a:r>
+              <a:rPr lang="en-US" dirty="0"/>
+              <a:t>Summary </a:t>
+            </a:r>
+          </a:p>
+        </p:txBody>
+      </p:sp>
+      <p:graphicFrame>
+        <p:nvGraphicFramePr>
+          <p:cNvPr id="4" name="Table 4">
+            <a:extLst>
+              <a:ext uri="{FF2B5EF4-FFF2-40B4-BE49-F238E27FC236}">
+                <a16:creationId xmlns:a16="http://schemas.microsoft.com/office/drawing/2014/main" id="{8CB5416E-CCC0-E1FB-7B52-2B57AA3A00A2}"/>
+              </a:ext>
+            </a:extLst>
+          </p:cNvPr>
+          <p:cNvGraphicFramePr>
+            <a:graphicFrameLocks noGrp="1"/>
+          </p:cNvGraphicFramePr>
+          <p:nvPr>
+            <p:ph idx="1"/>
+            <p:extLst>
+              <p:ext uri="{D42A27DB-BD31-4B8C-83A1-F6EECF244321}">
+                <p14:modId xmlns:p14="http://schemas.microsoft.com/office/powerpoint/2010/main" val="3828251161"/>
+              </p:ext>
+            </p:extLst>
+          </p:nvPr>
+        </p:nvGraphicFramePr>
+        <p:xfrm>
+          <a:off x="838200" y="1825625"/>
+          <a:ext cx="10515597" cy="2595880"/>
+        </p:xfrm>
+        <a:graphic>
+          <a:graphicData uri="http://schemas.openxmlformats.org/drawingml/2006/table">
+            <a:tbl>
+              <a:tblPr firstRow="1" bandRow="1">
+                <a:tableStyleId>{5C22544A-7EE6-4342-B048-85BDC9FD1C3A}</a:tableStyleId>
+              </a:tblPr>
+              <a:tblGrid>
+                <a:gridCol w="3505199">
+                  <a:extLst>
+                    <a:ext uri="{9D8B030D-6E8A-4147-A177-3AD203B41FA5}">
+                      <a16:colId xmlns:a16="http://schemas.microsoft.com/office/drawing/2014/main" val="4093395280"/>
+                    </a:ext>
+                  </a:extLst>
+                </a:gridCol>
+                <a:gridCol w="3505199">
+                  <a:extLst>
+                    <a:ext uri="{9D8B030D-6E8A-4147-A177-3AD203B41FA5}">
+                      <a16:colId xmlns:a16="http://schemas.microsoft.com/office/drawing/2014/main" val="4073553714"/>
+                    </a:ext>
+                  </a:extLst>
+                </a:gridCol>
+                <a:gridCol w="3505199">
+                  <a:extLst>
+                    <a:ext uri="{9D8B030D-6E8A-4147-A177-3AD203B41FA5}">
+                      <a16:colId xmlns:a16="http://schemas.microsoft.com/office/drawing/2014/main" val="2656776680"/>
+                    </a:ext>
+                  </a:extLst>
+                </a:gridCol>
+              </a:tblGrid>
+              <a:tr h="370840">
+                <a:tc>
+                  <a:txBody>
+                    <a:bodyPr/>
+                    <a:lstStyle/>
+                    <a:p>
+                      <a:pPr marL="0" marR="0" algn="ctr">
+                        <a:lnSpc>
+                          <a:spcPct val="107000"/>
+                        </a:lnSpc>
+                        <a:spcBef>
+                          <a:spcPts val="0"/>
+                        </a:spcBef>
+                        <a:spcAft>
+                          <a:spcPts val="0"/>
+                        </a:spcAft>
+                      </a:pPr>
+                      <a:r>
+                        <a:rPr lang="en-US" sz="2000" dirty="0">
+                          <a:effectLst/>
+                          <a:latin typeface="Times New Roman" panose="02020603050405020304" pitchFamily="18" charset="0"/>
+                          <a:ea typeface="Calibri" panose="020F0502020204030204" pitchFamily="34" charset="0"/>
+                          <a:cs typeface="Arial" panose="020B0604020202020204" pitchFamily="34" charset="0"/>
+                        </a:rPr>
+                        <a:t>Model Name</a:t>
+                      </a:r>
+                      <a:endParaRPr lang="en-US" sz="1100" dirty="0">
+                        <a:effectLst/>
+                        <a:latin typeface="Calibri" panose="020F0502020204030204" pitchFamily="34" charset="0"/>
+                        <a:ea typeface="Calibri" panose="020F0502020204030204" pitchFamily="34" charset="0"/>
+                        <a:cs typeface="Arial" panose="020B0604020202020204" pitchFamily="34" charset="0"/>
+                      </a:endParaRPr>
+                    </a:p>
+                  </a:txBody>
+                  <a:tcPr marL="68580" marR="68580" marT="0" marB="0"/>
+                </a:tc>
+                <a:tc>
+                  <a:txBody>
+                    <a:bodyPr/>
+                    <a:lstStyle/>
+                    <a:p>
+                      <a:pPr marL="0" marR="0" algn="ctr">
+                        <a:lnSpc>
+                          <a:spcPct val="107000"/>
+                        </a:lnSpc>
+                        <a:spcBef>
+                          <a:spcPts val="0"/>
+                        </a:spcBef>
+                        <a:spcAft>
+                          <a:spcPts val="0"/>
+                        </a:spcAft>
+                      </a:pPr>
+                      <a:r>
+                        <a:rPr lang="en-US" sz="2000">
+                          <a:effectLst/>
+                          <a:latin typeface="Times New Roman" panose="02020603050405020304" pitchFamily="18" charset="0"/>
+                          <a:ea typeface="Calibri" panose="020F0502020204030204" pitchFamily="34" charset="0"/>
+                          <a:cs typeface="Arial" panose="020B0604020202020204" pitchFamily="34" charset="0"/>
+                        </a:rPr>
+                        <a:t>F1 Score</a:t>
+                      </a:r>
+                      <a:endParaRPr lang="en-US" sz="1100">
+                        <a:effectLst/>
+                        <a:latin typeface="Calibri" panose="020F0502020204030204" pitchFamily="34" charset="0"/>
+                        <a:ea typeface="Calibri" panose="020F0502020204030204" pitchFamily="34" charset="0"/>
+                        <a:cs typeface="Arial" panose="020B0604020202020204" pitchFamily="34" charset="0"/>
+                      </a:endParaRPr>
+                    </a:p>
+                  </a:txBody>
+                  <a:tcPr marL="68580" marR="68580" marT="0" marB="0"/>
+                </a:tc>
+                <a:tc>
+                  <a:txBody>
+                    <a:bodyPr/>
+                    <a:lstStyle/>
+                    <a:p>
+                      <a:pPr marL="0" marR="0" algn="ctr">
+                        <a:lnSpc>
+                          <a:spcPct val="107000"/>
+                        </a:lnSpc>
+                        <a:spcBef>
+                          <a:spcPts val="0"/>
+                        </a:spcBef>
+                        <a:spcAft>
+                          <a:spcPts val="0"/>
+                        </a:spcAft>
+                      </a:pPr>
+                      <a:r>
+                        <a:rPr lang="en-US" sz="2000">
+                          <a:effectLst/>
+                          <a:latin typeface="Times New Roman" panose="02020603050405020304" pitchFamily="18" charset="0"/>
+                          <a:ea typeface="Calibri" panose="020F0502020204030204" pitchFamily="34" charset="0"/>
+                          <a:cs typeface="Arial" panose="020B0604020202020204" pitchFamily="34" charset="0"/>
+                        </a:rPr>
+                        <a:t>PCA</a:t>
+                      </a:r>
+                      <a:endParaRPr lang="en-US" sz="1100">
+                        <a:effectLst/>
+                        <a:latin typeface="Calibri" panose="020F0502020204030204" pitchFamily="34" charset="0"/>
+                        <a:ea typeface="Calibri" panose="020F0502020204030204" pitchFamily="34" charset="0"/>
+                        <a:cs typeface="Arial" panose="020B0604020202020204" pitchFamily="34" charset="0"/>
+                      </a:endParaRPr>
+                    </a:p>
+                  </a:txBody>
+                  <a:tcPr marL="68580" marR="68580" marT="0" marB="0"/>
+                </a:tc>
+                <a:extLst>
+                  <a:ext uri="{0D108BD9-81ED-4DB2-BD59-A6C34878D82A}">
+                    <a16:rowId xmlns:a16="http://schemas.microsoft.com/office/drawing/2014/main" val="256422258"/>
+                  </a:ext>
+                </a:extLst>
+              </a:tr>
+              <a:tr h="370840">
+                <a:tc>
+                  <a:txBody>
+                    <a:bodyPr/>
+                    <a:lstStyle/>
+                    <a:p>
+                      <a:pPr marL="0" marR="0" algn="ctr">
+                        <a:lnSpc>
+                          <a:spcPct val="107000"/>
+                        </a:lnSpc>
+                        <a:spcBef>
+                          <a:spcPts val="0"/>
+                        </a:spcBef>
+                        <a:spcAft>
+                          <a:spcPts val="0"/>
+                        </a:spcAft>
+                      </a:pPr>
+                      <a:r>
+                        <a:rPr lang="en-US" sz="2000">
+                          <a:effectLst/>
+                          <a:latin typeface="Times New Roman" panose="02020603050405020304" pitchFamily="18" charset="0"/>
+                          <a:ea typeface="Calibri" panose="020F0502020204030204" pitchFamily="34" charset="0"/>
+                          <a:cs typeface="Arial" panose="020B0604020202020204" pitchFamily="34" charset="0"/>
+                        </a:rPr>
+                        <a:t>SVM</a:t>
+                      </a:r>
+                      <a:endParaRPr lang="en-US" sz="1100">
+                        <a:effectLst/>
+                        <a:latin typeface="Calibri" panose="020F0502020204030204" pitchFamily="34" charset="0"/>
+                        <a:ea typeface="Calibri" panose="020F0502020204030204" pitchFamily="34" charset="0"/>
+                        <a:cs typeface="Arial" panose="020B0604020202020204" pitchFamily="34" charset="0"/>
+                      </a:endParaRPr>
+                    </a:p>
+                  </a:txBody>
+                  <a:tcPr marL="68580" marR="68580" marT="0" marB="0"/>
+                </a:tc>
+                <a:tc>
+                  <a:txBody>
+                    <a:bodyPr/>
+                    <a:lstStyle/>
+                    <a:p>
+                      <a:pPr marL="0" marR="0" algn="ctr">
+                        <a:lnSpc>
+                          <a:spcPct val="107000"/>
+                        </a:lnSpc>
+                        <a:spcBef>
+                          <a:spcPts val="0"/>
+                        </a:spcBef>
+                        <a:spcAft>
+                          <a:spcPts val="0"/>
+                        </a:spcAft>
+                      </a:pPr>
+                      <a:r>
+                        <a:rPr lang="en-US" sz="2000">
+                          <a:effectLst/>
+                          <a:latin typeface="Times New Roman" panose="02020603050405020304" pitchFamily="18" charset="0"/>
+                          <a:ea typeface="Calibri" panose="020F0502020204030204" pitchFamily="34" charset="0"/>
+                          <a:cs typeface="Arial" panose="020B0604020202020204" pitchFamily="34" charset="0"/>
+                        </a:rPr>
+                        <a:t>0.70</a:t>
+                      </a:r>
+                      <a:endParaRPr lang="en-US" sz="1100">
+                        <a:effectLst/>
+                        <a:latin typeface="Calibri" panose="020F0502020204030204" pitchFamily="34" charset="0"/>
+                        <a:ea typeface="Calibri" panose="020F0502020204030204" pitchFamily="34" charset="0"/>
+                        <a:cs typeface="Arial" panose="020B0604020202020204" pitchFamily="34" charset="0"/>
+                      </a:endParaRPr>
+                    </a:p>
+                  </a:txBody>
+                  <a:tcPr marL="68580" marR="68580" marT="0" marB="0"/>
+                </a:tc>
+                <a:tc>
+                  <a:txBody>
+                    <a:bodyPr/>
+                    <a:lstStyle/>
+                    <a:p>
+                      <a:pPr marL="0" marR="0" algn="ctr">
+                        <a:lnSpc>
+                          <a:spcPct val="107000"/>
+                        </a:lnSpc>
+                        <a:spcBef>
+                          <a:spcPts val="0"/>
+                        </a:spcBef>
+                        <a:spcAft>
+                          <a:spcPts val="0"/>
+                        </a:spcAft>
+                      </a:pPr>
+                      <a:r>
+                        <a:rPr lang="en-US" sz="2000">
+                          <a:effectLst/>
+                          <a:latin typeface="Times New Roman" panose="02020603050405020304" pitchFamily="18" charset="0"/>
+                          <a:ea typeface="Calibri" panose="020F0502020204030204" pitchFamily="34" charset="0"/>
+                          <a:cs typeface="Arial" panose="020B0604020202020204" pitchFamily="34" charset="0"/>
+                        </a:rPr>
+                        <a:t>No</a:t>
+                      </a:r>
+                      <a:endParaRPr lang="en-US" sz="1100">
+                        <a:effectLst/>
+                        <a:latin typeface="Calibri" panose="020F0502020204030204" pitchFamily="34" charset="0"/>
+                        <a:ea typeface="Calibri" panose="020F0502020204030204" pitchFamily="34" charset="0"/>
+                        <a:cs typeface="Arial" panose="020B0604020202020204" pitchFamily="34" charset="0"/>
+                      </a:endParaRPr>
+                    </a:p>
+                  </a:txBody>
+                  <a:tcPr marL="68580" marR="68580" marT="0" marB="0"/>
+                </a:tc>
+                <a:extLst>
+                  <a:ext uri="{0D108BD9-81ED-4DB2-BD59-A6C34878D82A}">
+                    <a16:rowId xmlns:a16="http://schemas.microsoft.com/office/drawing/2014/main" val="3403494773"/>
+                  </a:ext>
+                </a:extLst>
+              </a:tr>
+              <a:tr h="370840">
+                <a:tc>
+                  <a:txBody>
+                    <a:bodyPr/>
+                    <a:lstStyle/>
+                    <a:p>
+                      <a:pPr marL="0" marR="0" algn="ctr">
+                        <a:lnSpc>
+                          <a:spcPct val="107000"/>
+                        </a:lnSpc>
+                        <a:spcBef>
+                          <a:spcPts val="0"/>
+                        </a:spcBef>
+                        <a:spcAft>
+                          <a:spcPts val="0"/>
+                        </a:spcAft>
+                      </a:pPr>
+                      <a:r>
+                        <a:rPr lang="en-US" sz="2000">
+                          <a:effectLst/>
+                          <a:latin typeface="Times New Roman" panose="02020603050405020304" pitchFamily="18" charset="0"/>
+                          <a:ea typeface="Calibri" panose="020F0502020204030204" pitchFamily="34" charset="0"/>
+                          <a:cs typeface="Arial" panose="020B0604020202020204" pitchFamily="34" charset="0"/>
+                        </a:rPr>
+                        <a:t>SVM</a:t>
+                      </a:r>
+                      <a:endParaRPr lang="en-US" sz="1100">
+                        <a:effectLst/>
+                        <a:latin typeface="Calibri" panose="020F0502020204030204" pitchFamily="34" charset="0"/>
+                        <a:ea typeface="Calibri" panose="020F0502020204030204" pitchFamily="34" charset="0"/>
+                        <a:cs typeface="Arial" panose="020B0604020202020204" pitchFamily="34" charset="0"/>
+                      </a:endParaRPr>
+                    </a:p>
+                  </a:txBody>
+                  <a:tcPr marL="68580" marR="68580" marT="0" marB="0"/>
+                </a:tc>
+                <a:tc>
+                  <a:txBody>
+                    <a:bodyPr/>
+                    <a:lstStyle/>
+                    <a:p>
+                      <a:pPr marL="0" marR="0" algn="ctr">
+                        <a:lnSpc>
+                          <a:spcPct val="107000"/>
+                        </a:lnSpc>
+                        <a:spcBef>
+                          <a:spcPts val="0"/>
+                        </a:spcBef>
+                        <a:spcAft>
+                          <a:spcPts val="0"/>
+                        </a:spcAft>
+                      </a:pPr>
+                      <a:r>
+                        <a:rPr lang="en-US" sz="2000">
+                          <a:effectLst/>
+                          <a:latin typeface="Times New Roman" panose="02020603050405020304" pitchFamily="18" charset="0"/>
+                          <a:ea typeface="Calibri" panose="020F0502020204030204" pitchFamily="34" charset="0"/>
+                          <a:cs typeface="Arial" panose="020B0604020202020204" pitchFamily="34" charset="0"/>
+                        </a:rPr>
+                        <a:t>0.48</a:t>
+                      </a:r>
+                      <a:endParaRPr lang="en-US" sz="1100">
+                        <a:effectLst/>
+                        <a:latin typeface="Calibri" panose="020F0502020204030204" pitchFamily="34" charset="0"/>
+                        <a:ea typeface="Calibri" panose="020F0502020204030204" pitchFamily="34" charset="0"/>
+                        <a:cs typeface="Arial" panose="020B0604020202020204" pitchFamily="34" charset="0"/>
+                      </a:endParaRPr>
+                    </a:p>
+                  </a:txBody>
+                  <a:tcPr marL="68580" marR="68580" marT="0" marB="0"/>
+                </a:tc>
+                <a:tc>
+                  <a:txBody>
+                    <a:bodyPr/>
+                    <a:lstStyle/>
+                    <a:p>
+                      <a:pPr marL="0" marR="0" algn="ctr">
+                        <a:lnSpc>
+                          <a:spcPct val="107000"/>
+                        </a:lnSpc>
+                        <a:spcBef>
+                          <a:spcPts val="0"/>
+                        </a:spcBef>
+                        <a:spcAft>
+                          <a:spcPts val="0"/>
+                        </a:spcAft>
+                      </a:pPr>
+                      <a:r>
+                        <a:rPr lang="en-US" sz="2000">
+                          <a:effectLst/>
+                          <a:latin typeface="Times New Roman" panose="02020603050405020304" pitchFamily="18" charset="0"/>
+                          <a:ea typeface="Calibri" panose="020F0502020204030204" pitchFamily="34" charset="0"/>
+                          <a:cs typeface="Arial" panose="020B0604020202020204" pitchFamily="34" charset="0"/>
+                        </a:rPr>
+                        <a:t>Yes</a:t>
+                      </a:r>
+                      <a:endParaRPr lang="en-US" sz="1100">
+                        <a:effectLst/>
+                        <a:latin typeface="Calibri" panose="020F0502020204030204" pitchFamily="34" charset="0"/>
+                        <a:ea typeface="Calibri" panose="020F0502020204030204" pitchFamily="34" charset="0"/>
+                        <a:cs typeface="Arial" panose="020B0604020202020204" pitchFamily="34" charset="0"/>
+                      </a:endParaRPr>
+                    </a:p>
+                  </a:txBody>
+                  <a:tcPr marL="68580" marR="68580" marT="0" marB="0"/>
+                </a:tc>
+                <a:extLst>
+                  <a:ext uri="{0D108BD9-81ED-4DB2-BD59-A6C34878D82A}">
+                    <a16:rowId xmlns:a16="http://schemas.microsoft.com/office/drawing/2014/main" val="2477653456"/>
+                  </a:ext>
+                </a:extLst>
+              </a:tr>
+              <a:tr h="370840">
+                <a:tc>
+                  <a:txBody>
+                    <a:bodyPr/>
+                    <a:lstStyle/>
+                    <a:p>
+                      <a:pPr marL="0" marR="0" algn="ctr">
+                        <a:lnSpc>
+                          <a:spcPct val="107000"/>
+                        </a:lnSpc>
+                        <a:spcBef>
+                          <a:spcPts val="0"/>
+                        </a:spcBef>
+                        <a:spcAft>
+                          <a:spcPts val="0"/>
+                        </a:spcAft>
+                      </a:pPr>
+                      <a:r>
+                        <a:rPr lang="en-US" sz="2000">
+                          <a:effectLst/>
+                          <a:latin typeface="Times New Roman" panose="02020603050405020304" pitchFamily="18" charset="0"/>
+                          <a:ea typeface="Calibri" panose="020F0502020204030204" pitchFamily="34" charset="0"/>
+                          <a:cs typeface="Arial" panose="020B0604020202020204" pitchFamily="34" charset="0"/>
+                        </a:rPr>
+                        <a:t>Random Forests</a:t>
+                      </a:r>
+                      <a:endParaRPr lang="en-US" sz="1100">
+                        <a:effectLst/>
+                        <a:latin typeface="Calibri" panose="020F0502020204030204" pitchFamily="34" charset="0"/>
+                        <a:ea typeface="Calibri" panose="020F0502020204030204" pitchFamily="34" charset="0"/>
+                        <a:cs typeface="Arial" panose="020B0604020202020204" pitchFamily="34" charset="0"/>
+                      </a:endParaRPr>
+                    </a:p>
+                  </a:txBody>
+                  <a:tcPr marL="68580" marR="68580" marT="0" marB="0"/>
+                </a:tc>
+                <a:tc>
+                  <a:txBody>
+                    <a:bodyPr/>
+                    <a:lstStyle/>
+                    <a:p>
+                      <a:pPr marL="0" marR="0" algn="ctr">
+                        <a:lnSpc>
+                          <a:spcPct val="107000"/>
+                        </a:lnSpc>
+                        <a:spcBef>
+                          <a:spcPts val="0"/>
+                        </a:spcBef>
+                        <a:spcAft>
+                          <a:spcPts val="0"/>
+                        </a:spcAft>
+                      </a:pPr>
+                      <a:r>
+                        <a:rPr lang="en-US" sz="2000">
+                          <a:effectLst/>
+                          <a:latin typeface="Times New Roman" panose="02020603050405020304" pitchFamily="18" charset="0"/>
+                          <a:ea typeface="Calibri" panose="020F0502020204030204" pitchFamily="34" charset="0"/>
+                          <a:cs typeface="Arial" panose="020B0604020202020204" pitchFamily="34" charset="0"/>
+                        </a:rPr>
+                        <a:t>0.76</a:t>
+                      </a:r>
+                      <a:endParaRPr lang="en-US" sz="1100">
+                        <a:effectLst/>
+                        <a:latin typeface="Calibri" panose="020F0502020204030204" pitchFamily="34" charset="0"/>
+                        <a:ea typeface="Calibri" panose="020F0502020204030204" pitchFamily="34" charset="0"/>
+                        <a:cs typeface="Arial" panose="020B0604020202020204" pitchFamily="34" charset="0"/>
+                      </a:endParaRPr>
+                    </a:p>
+                  </a:txBody>
+                  <a:tcPr marL="68580" marR="68580" marT="0" marB="0"/>
+                </a:tc>
+                <a:tc>
+                  <a:txBody>
+                    <a:bodyPr/>
+                    <a:lstStyle/>
+                    <a:p>
+                      <a:pPr marL="0" marR="0" algn="ctr">
+                        <a:lnSpc>
+                          <a:spcPct val="107000"/>
+                        </a:lnSpc>
+                        <a:spcBef>
+                          <a:spcPts val="0"/>
+                        </a:spcBef>
+                        <a:spcAft>
+                          <a:spcPts val="0"/>
+                        </a:spcAft>
+                      </a:pPr>
+                      <a:r>
+                        <a:rPr lang="en-US" sz="2000">
+                          <a:effectLst/>
+                          <a:latin typeface="Times New Roman" panose="02020603050405020304" pitchFamily="18" charset="0"/>
+                          <a:ea typeface="Calibri" panose="020F0502020204030204" pitchFamily="34" charset="0"/>
+                          <a:cs typeface="Arial" panose="020B0604020202020204" pitchFamily="34" charset="0"/>
+                        </a:rPr>
+                        <a:t>No</a:t>
+                      </a:r>
+                      <a:endParaRPr lang="en-US" sz="1100">
+                        <a:effectLst/>
+                        <a:latin typeface="Calibri" panose="020F0502020204030204" pitchFamily="34" charset="0"/>
+                        <a:ea typeface="Calibri" panose="020F0502020204030204" pitchFamily="34" charset="0"/>
+                        <a:cs typeface="Arial" panose="020B0604020202020204" pitchFamily="34" charset="0"/>
+                      </a:endParaRPr>
+                    </a:p>
+                  </a:txBody>
+                  <a:tcPr marL="68580" marR="68580" marT="0" marB="0"/>
+                </a:tc>
+                <a:extLst>
+                  <a:ext uri="{0D108BD9-81ED-4DB2-BD59-A6C34878D82A}">
+                    <a16:rowId xmlns:a16="http://schemas.microsoft.com/office/drawing/2014/main" val="2389967931"/>
+                  </a:ext>
+                </a:extLst>
+              </a:tr>
+              <a:tr h="370840">
+                <a:tc>
+                  <a:txBody>
+                    <a:bodyPr/>
+                    <a:lstStyle/>
+                    <a:p>
+                      <a:pPr marL="0" marR="0" algn="ctr">
+                        <a:lnSpc>
+                          <a:spcPct val="107000"/>
+                        </a:lnSpc>
+                        <a:spcBef>
+                          <a:spcPts val="0"/>
+                        </a:spcBef>
+                        <a:spcAft>
+                          <a:spcPts val="0"/>
+                        </a:spcAft>
+                      </a:pPr>
+                      <a:r>
+                        <a:rPr lang="en-US" sz="2000">
+                          <a:effectLst/>
+                          <a:latin typeface="Times New Roman" panose="02020603050405020304" pitchFamily="18" charset="0"/>
+                          <a:ea typeface="Calibri" panose="020F0502020204030204" pitchFamily="34" charset="0"/>
+                          <a:cs typeface="Arial" panose="020B0604020202020204" pitchFamily="34" charset="0"/>
+                        </a:rPr>
+                        <a:t>Random Forests</a:t>
+                      </a:r>
+                      <a:endParaRPr lang="en-US" sz="1100">
+                        <a:effectLst/>
+                        <a:latin typeface="Calibri" panose="020F0502020204030204" pitchFamily="34" charset="0"/>
+                        <a:ea typeface="Calibri" panose="020F0502020204030204" pitchFamily="34" charset="0"/>
+                        <a:cs typeface="Arial" panose="020B0604020202020204" pitchFamily="34" charset="0"/>
+                      </a:endParaRPr>
+                    </a:p>
+                  </a:txBody>
+                  <a:tcPr marL="68580" marR="68580" marT="0" marB="0"/>
+                </a:tc>
+                <a:tc>
+                  <a:txBody>
+                    <a:bodyPr/>
+                    <a:lstStyle/>
+                    <a:p>
+                      <a:pPr marL="0" marR="0" algn="ctr">
+                        <a:lnSpc>
+                          <a:spcPct val="107000"/>
+                        </a:lnSpc>
+                        <a:spcBef>
+                          <a:spcPts val="0"/>
+                        </a:spcBef>
+                        <a:spcAft>
+                          <a:spcPts val="0"/>
+                        </a:spcAft>
+                      </a:pPr>
+                      <a:r>
+                        <a:rPr lang="en-US" sz="2000">
+                          <a:effectLst/>
+                          <a:latin typeface="Times New Roman" panose="02020603050405020304" pitchFamily="18" charset="0"/>
+                          <a:ea typeface="Calibri" panose="020F0502020204030204" pitchFamily="34" charset="0"/>
+                          <a:cs typeface="Arial" panose="020B0604020202020204" pitchFamily="34" charset="0"/>
+                        </a:rPr>
+                        <a:t>0.74</a:t>
+                      </a:r>
+                      <a:endParaRPr lang="en-US" sz="1100">
+                        <a:effectLst/>
+                        <a:latin typeface="Calibri" panose="020F0502020204030204" pitchFamily="34" charset="0"/>
+                        <a:ea typeface="Calibri" panose="020F0502020204030204" pitchFamily="34" charset="0"/>
+                        <a:cs typeface="Arial" panose="020B0604020202020204" pitchFamily="34" charset="0"/>
+                      </a:endParaRPr>
+                    </a:p>
+                  </a:txBody>
+                  <a:tcPr marL="68580" marR="68580" marT="0" marB="0"/>
+                </a:tc>
+                <a:tc>
+                  <a:txBody>
+                    <a:bodyPr/>
+                    <a:lstStyle/>
+                    <a:p>
+                      <a:pPr marL="0" marR="0" algn="ctr">
+                        <a:lnSpc>
+                          <a:spcPct val="107000"/>
+                        </a:lnSpc>
+                        <a:spcBef>
+                          <a:spcPts val="0"/>
+                        </a:spcBef>
+                        <a:spcAft>
+                          <a:spcPts val="0"/>
+                        </a:spcAft>
+                      </a:pPr>
+                      <a:r>
+                        <a:rPr lang="en-US" sz="2000">
+                          <a:effectLst/>
+                          <a:latin typeface="Times New Roman" panose="02020603050405020304" pitchFamily="18" charset="0"/>
+                          <a:ea typeface="Calibri" panose="020F0502020204030204" pitchFamily="34" charset="0"/>
+                          <a:cs typeface="Arial" panose="020B0604020202020204" pitchFamily="34" charset="0"/>
+                        </a:rPr>
+                        <a:t>Yes</a:t>
+                      </a:r>
+                      <a:endParaRPr lang="en-US" sz="1100">
+                        <a:effectLst/>
+                        <a:latin typeface="Calibri" panose="020F0502020204030204" pitchFamily="34" charset="0"/>
+                        <a:ea typeface="Calibri" panose="020F0502020204030204" pitchFamily="34" charset="0"/>
+                        <a:cs typeface="Arial" panose="020B0604020202020204" pitchFamily="34" charset="0"/>
+                      </a:endParaRPr>
+                    </a:p>
+                  </a:txBody>
+                  <a:tcPr marL="68580" marR="68580" marT="0" marB="0"/>
+                </a:tc>
+                <a:extLst>
+                  <a:ext uri="{0D108BD9-81ED-4DB2-BD59-A6C34878D82A}">
+                    <a16:rowId xmlns:a16="http://schemas.microsoft.com/office/drawing/2014/main" val="2760720257"/>
+                  </a:ext>
+                </a:extLst>
+              </a:tr>
+              <a:tr h="370840">
+                <a:tc>
+                  <a:txBody>
+                    <a:bodyPr/>
+                    <a:lstStyle/>
+                    <a:p>
+                      <a:pPr marL="0" marR="0" algn="ctr">
+                        <a:lnSpc>
+                          <a:spcPct val="107000"/>
+                        </a:lnSpc>
+                        <a:spcBef>
+                          <a:spcPts val="0"/>
+                        </a:spcBef>
+                        <a:spcAft>
+                          <a:spcPts val="0"/>
+                        </a:spcAft>
+                      </a:pPr>
+                      <a:r>
+                        <a:rPr lang="en-US" sz="2000">
+                          <a:effectLst/>
+                          <a:latin typeface="Times New Roman" panose="02020603050405020304" pitchFamily="18" charset="0"/>
+                          <a:ea typeface="Calibri" panose="020F0502020204030204" pitchFamily="34" charset="0"/>
+                          <a:cs typeface="Arial" panose="020B0604020202020204" pitchFamily="34" charset="0"/>
+                        </a:rPr>
+                        <a:t>Decision Trees</a:t>
+                      </a:r>
+                      <a:endParaRPr lang="en-US" sz="1100">
+                        <a:effectLst/>
+                        <a:latin typeface="Calibri" panose="020F0502020204030204" pitchFamily="34" charset="0"/>
+                        <a:ea typeface="Calibri" panose="020F0502020204030204" pitchFamily="34" charset="0"/>
+                        <a:cs typeface="Arial" panose="020B0604020202020204" pitchFamily="34" charset="0"/>
+                      </a:endParaRPr>
+                    </a:p>
+                  </a:txBody>
+                  <a:tcPr marL="68580" marR="68580" marT="0" marB="0"/>
+                </a:tc>
+                <a:tc>
+                  <a:txBody>
+                    <a:bodyPr/>
+                    <a:lstStyle/>
+                    <a:p>
+                      <a:pPr marL="0" marR="0" algn="ctr">
+                        <a:lnSpc>
+                          <a:spcPct val="107000"/>
+                        </a:lnSpc>
+                        <a:spcBef>
+                          <a:spcPts val="0"/>
+                        </a:spcBef>
+                        <a:spcAft>
+                          <a:spcPts val="0"/>
+                        </a:spcAft>
+                      </a:pPr>
+                      <a:r>
+                        <a:rPr lang="en-US" sz="2000">
+                          <a:effectLst/>
+                          <a:latin typeface="Times New Roman" panose="02020603050405020304" pitchFamily="18" charset="0"/>
+                          <a:ea typeface="Calibri" panose="020F0502020204030204" pitchFamily="34" charset="0"/>
+                          <a:cs typeface="Arial" panose="020B0604020202020204" pitchFamily="34" charset="0"/>
+                        </a:rPr>
+                        <a:t>0.76</a:t>
+                      </a:r>
+                      <a:endParaRPr lang="en-US" sz="1100">
+                        <a:effectLst/>
+                        <a:latin typeface="Calibri" panose="020F0502020204030204" pitchFamily="34" charset="0"/>
+                        <a:ea typeface="Calibri" panose="020F0502020204030204" pitchFamily="34" charset="0"/>
+                        <a:cs typeface="Arial" panose="020B0604020202020204" pitchFamily="34" charset="0"/>
+                      </a:endParaRPr>
+                    </a:p>
+                  </a:txBody>
+                  <a:tcPr marL="68580" marR="68580" marT="0" marB="0"/>
+                </a:tc>
+                <a:tc>
+                  <a:txBody>
+                    <a:bodyPr/>
+                    <a:lstStyle/>
+                    <a:p>
+                      <a:pPr marL="0" marR="0" algn="ctr">
+                        <a:lnSpc>
+                          <a:spcPct val="107000"/>
+                        </a:lnSpc>
+                        <a:spcBef>
+                          <a:spcPts val="0"/>
+                        </a:spcBef>
+                        <a:spcAft>
+                          <a:spcPts val="0"/>
+                        </a:spcAft>
+                      </a:pPr>
+                      <a:r>
+                        <a:rPr lang="en-US" sz="2000">
+                          <a:effectLst/>
+                          <a:latin typeface="Times New Roman" panose="02020603050405020304" pitchFamily="18" charset="0"/>
+                          <a:ea typeface="Calibri" panose="020F0502020204030204" pitchFamily="34" charset="0"/>
+                          <a:cs typeface="Arial" panose="020B0604020202020204" pitchFamily="34" charset="0"/>
+                        </a:rPr>
+                        <a:t>No</a:t>
+                      </a:r>
+                      <a:endParaRPr lang="en-US" sz="1100">
+                        <a:effectLst/>
+                        <a:latin typeface="Calibri" panose="020F0502020204030204" pitchFamily="34" charset="0"/>
+                        <a:ea typeface="Calibri" panose="020F0502020204030204" pitchFamily="34" charset="0"/>
+                        <a:cs typeface="Arial" panose="020B0604020202020204" pitchFamily="34" charset="0"/>
+                      </a:endParaRPr>
+                    </a:p>
+                  </a:txBody>
+                  <a:tcPr marL="68580" marR="68580" marT="0" marB="0"/>
+                </a:tc>
+                <a:extLst>
+                  <a:ext uri="{0D108BD9-81ED-4DB2-BD59-A6C34878D82A}">
+                    <a16:rowId xmlns:a16="http://schemas.microsoft.com/office/drawing/2014/main" val="1231578282"/>
+                  </a:ext>
+                </a:extLst>
+              </a:tr>
+              <a:tr h="370840">
+                <a:tc>
+                  <a:txBody>
+                    <a:bodyPr/>
+                    <a:lstStyle/>
+                    <a:p>
+                      <a:pPr marL="0" marR="0" algn="ctr">
+                        <a:lnSpc>
+                          <a:spcPct val="107000"/>
+                        </a:lnSpc>
+                        <a:spcBef>
+                          <a:spcPts val="0"/>
+                        </a:spcBef>
+                        <a:spcAft>
+                          <a:spcPts val="0"/>
+                        </a:spcAft>
+                      </a:pPr>
+                      <a:r>
+                        <a:rPr lang="en-US" sz="2000">
+                          <a:effectLst/>
+                          <a:latin typeface="Times New Roman" panose="02020603050405020304" pitchFamily="18" charset="0"/>
+                          <a:ea typeface="Calibri" panose="020F0502020204030204" pitchFamily="34" charset="0"/>
+                          <a:cs typeface="Arial" panose="020B0604020202020204" pitchFamily="34" charset="0"/>
+                        </a:rPr>
+                        <a:t>Decision Trees</a:t>
+                      </a:r>
+                      <a:endParaRPr lang="en-US" sz="1100">
+                        <a:effectLst/>
+                        <a:latin typeface="Calibri" panose="020F0502020204030204" pitchFamily="34" charset="0"/>
+                        <a:ea typeface="Calibri" panose="020F0502020204030204" pitchFamily="34" charset="0"/>
+                        <a:cs typeface="Arial" panose="020B0604020202020204" pitchFamily="34" charset="0"/>
+                      </a:endParaRPr>
+                    </a:p>
+                  </a:txBody>
+                  <a:tcPr marL="68580" marR="68580" marT="0" marB="0"/>
+                </a:tc>
+                <a:tc>
+                  <a:txBody>
+                    <a:bodyPr/>
+                    <a:lstStyle/>
+                    <a:p>
+                      <a:pPr marL="0" marR="0" algn="ctr">
+                        <a:lnSpc>
+                          <a:spcPct val="107000"/>
+                        </a:lnSpc>
+                        <a:spcBef>
+                          <a:spcPts val="0"/>
+                        </a:spcBef>
+                        <a:spcAft>
+                          <a:spcPts val="0"/>
+                        </a:spcAft>
+                      </a:pPr>
+                      <a:r>
+                        <a:rPr lang="en-US" sz="2000">
+                          <a:effectLst/>
+                          <a:latin typeface="Times New Roman" panose="02020603050405020304" pitchFamily="18" charset="0"/>
+                          <a:ea typeface="Calibri" panose="020F0502020204030204" pitchFamily="34" charset="0"/>
+                          <a:cs typeface="Arial" panose="020B0604020202020204" pitchFamily="34" charset="0"/>
+                        </a:rPr>
+                        <a:t>0.74</a:t>
+                      </a:r>
+                      <a:endParaRPr lang="en-US" sz="1100">
+                        <a:effectLst/>
+                        <a:latin typeface="Calibri" panose="020F0502020204030204" pitchFamily="34" charset="0"/>
+                        <a:ea typeface="Calibri" panose="020F0502020204030204" pitchFamily="34" charset="0"/>
+                        <a:cs typeface="Arial" panose="020B0604020202020204" pitchFamily="34" charset="0"/>
+                      </a:endParaRPr>
+                    </a:p>
+                  </a:txBody>
+                  <a:tcPr marL="68580" marR="68580" marT="0" marB="0"/>
+                </a:tc>
+                <a:tc>
+                  <a:txBody>
+                    <a:bodyPr/>
+                    <a:lstStyle/>
+                    <a:p>
+                      <a:pPr marL="0" marR="0" algn="ctr">
+                        <a:lnSpc>
+                          <a:spcPct val="107000"/>
+                        </a:lnSpc>
+                        <a:spcBef>
+                          <a:spcPts val="0"/>
+                        </a:spcBef>
+                        <a:spcAft>
+                          <a:spcPts val="0"/>
+                        </a:spcAft>
+                      </a:pPr>
+                      <a:r>
+                        <a:rPr lang="en-US" sz="2000" dirty="0">
+                          <a:effectLst/>
+                          <a:latin typeface="Times New Roman" panose="02020603050405020304" pitchFamily="18" charset="0"/>
+                          <a:ea typeface="Calibri" panose="020F0502020204030204" pitchFamily="34" charset="0"/>
+                          <a:cs typeface="Arial" panose="020B0604020202020204" pitchFamily="34" charset="0"/>
+                        </a:rPr>
+                        <a:t>Yes</a:t>
+                      </a:r>
+                      <a:endParaRPr lang="en-US" sz="1100" dirty="0">
+                        <a:effectLst/>
+                        <a:latin typeface="Calibri" panose="020F0502020204030204" pitchFamily="34" charset="0"/>
+                        <a:ea typeface="Calibri" panose="020F0502020204030204" pitchFamily="34" charset="0"/>
+                        <a:cs typeface="Arial" panose="020B0604020202020204" pitchFamily="34" charset="0"/>
+                      </a:endParaRPr>
+                    </a:p>
+                  </a:txBody>
+                  <a:tcPr marL="68580" marR="68580" marT="0" marB="0"/>
+                </a:tc>
+                <a:extLst>
+                  <a:ext uri="{0D108BD9-81ED-4DB2-BD59-A6C34878D82A}">
+                    <a16:rowId xmlns:a16="http://schemas.microsoft.com/office/drawing/2014/main" val="4058933003"/>
+                  </a:ext>
+                </a:extLst>
+              </a:tr>
+            </a:tbl>
+          </a:graphicData>
+        </a:graphic>
+      </p:graphicFrame>
+    </p:spTree>
+    <p:extLst>
+      <p:ext uri="{BB962C8B-B14F-4D97-AF65-F5344CB8AC3E}">
+        <p14:creationId xmlns:p14="http://schemas.microsoft.com/office/powerpoint/2010/main" val="199384072"/>
+      </p:ext>
+    </p:extLst>
+  </p:cSld>
+  <p:clrMapOvr>
+    <a:masterClrMapping/>
+  </p:clrMapOvr>
+</p:sld>
+</file>
+
+<file path=ppt/slides/slide2.xml><?xml version="1.0" encoding="utf-8"?>
+<p:sld xmlns:a="http://schemas.openxmlformats.org/drawingml/2006/main" xmlns:r="http://schemas.openxmlformats.org/officeDocument/2006/relationships" xmlns:p="http://schemas.openxmlformats.org/presentationml/2006/main">
+  <p:cSld>
+    <p:spTree>
+      <p:nvGrpSpPr>
+        <p:cNvPr id="1" name=""/>
+        <p:cNvGrpSpPr/>
+        <p:nvPr/>
+      </p:nvGrpSpPr>
+      <p:grpSpPr>
+        <a:xfrm>
+          <a:off x="0" y="0"/>
+          <a:ext cx="0" cy="0"/>
+          <a:chOff x="0" y="0"/>
+          <a:chExt cx="0" cy="0"/>
+        </a:xfrm>
+      </p:grpSpPr>
+      <p:sp>
+        <p:nvSpPr>
+          <p:cNvPr id="2" name="Title 1">
+            <a:extLst>
+              <a:ext uri="{FF2B5EF4-FFF2-40B4-BE49-F238E27FC236}">
+                <a16:creationId xmlns:a16="http://schemas.microsoft.com/office/drawing/2014/main" id="{F9065454-4B52-2E0D-3871-922B64B1F49D}"/>
+              </a:ext>
+            </a:extLst>
+          </p:cNvPr>
+          <p:cNvSpPr>
+            <a:spLocks noGrp="1"/>
+          </p:cNvSpPr>
+          <p:nvPr>
+            <p:ph type="title"/>
+          </p:nvPr>
+        </p:nvSpPr>
+        <p:spPr/>
+        <p:txBody>
+          <a:bodyPr/>
+          <a:lstStyle/>
+          <a:p>
+            <a:pPr algn="ctr"/>
+            <a:r>
+              <a:rPr lang="en-US" dirty="0">
+                <a:latin typeface="Times New Roman" panose="02020603050405020304" pitchFamily="18" charset="0"/>
+                <a:cs typeface="Times New Roman" panose="02020603050405020304" pitchFamily="18" charset="0"/>
+              </a:rPr>
+              <a:t>Abstract </a:t>
+            </a:r>
+          </a:p>
+        </p:txBody>
+      </p:sp>
+      <p:sp>
+        <p:nvSpPr>
+          <p:cNvPr id="3" name="Content Placeholder 2">
+            <a:extLst>
+              <a:ext uri="{FF2B5EF4-FFF2-40B4-BE49-F238E27FC236}">
+                <a16:creationId xmlns:a16="http://schemas.microsoft.com/office/drawing/2014/main" id="{82D680F1-2AFB-7CDE-EEF4-5EE1E8FB0E92}"/>
+              </a:ext>
+            </a:extLst>
+          </p:cNvPr>
+          <p:cNvSpPr>
+            <a:spLocks noGrp="1"/>
+          </p:cNvSpPr>
+          <p:nvPr>
+            <p:ph idx="1"/>
+          </p:nvPr>
+        </p:nvSpPr>
+        <p:spPr/>
+        <p:txBody>
+          <a:bodyPr/>
+          <a:lstStyle/>
+          <a:p>
+            <a:pPr algn="ctr"/>
+            <a:endParaRPr lang="en-US" dirty="0"/>
+          </a:p>
+          <a:p>
+            <a:pPr algn="ctr"/>
+            <a:endParaRPr lang="en-US" dirty="0"/>
+          </a:p>
+          <a:p>
+            <a:pPr algn="ctr"/>
+            <a:endParaRPr lang="en-US" dirty="0"/>
+          </a:p>
+          <a:p>
+            <a:pPr marL="0" indent="0" algn="ctr">
+              <a:buNone/>
+            </a:pPr>
+            <a:r>
+              <a:rPr lang="en-US" dirty="0"/>
+              <a:t>This </a:t>
+            </a:r>
+            <a:r>
+              <a:rPr lang="en-US" dirty="0" err="1"/>
+              <a:t>Thesina</a:t>
+            </a:r>
+            <a:r>
+              <a:rPr lang="en-US" dirty="0"/>
+              <a:t> is about analyzing the Higher Education Students Performance Evaluation Dataset</a:t>
+            </a:r>
+          </a:p>
+        </p:txBody>
+      </p:sp>
+    </p:spTree>
+    <p:extLst>
+      <p:ext uri="{BB962C8B-B14F-4D97-AF65-F5344CB8AC3E}">
+        <p14:creationId xmlns:p14="http://schemas.microsoft.com/office/powerpoint/2010/main" val="2028804283"/>
+      </p:ext>
+    </p:extLst>
+  </p:cSld>
+  <p:clrMapOvr>
+    <a:masterClrMapping/>
+  </p:clrMapOvr>
+</p:sld>
+</file>
+
+<file path=ppt/slides/slide20.xml><?xml version="1.0" encoding="utf-8"?>
+<p:sld xmlns:a="http://schemas.openxmlformats.org/drawingml/2006/main" xmlns:r="http://schemas.openxmlformats.org/officeDocument/2006/relationships" xmlns:p="http://schemas.openxmlformats.org/presentationml/2006/main">
+  <p:cSld>
+    <p:spTree>
+      <p:nvGrpSpPr>
+        <p:cNvPr id="1" name=""/>
+        <p:cNvGrpSpPr/>
+        <p:nvPr/>
+      </p:nvGrpSpPr>
+      <p:grpSpPr>
+        <a:xfrm>
+          <a:off x="0" y="0"/>
+          <a:ext cx="0" cy="0"/>
+          <a:chOff x="0" y="0"/>
+          <a:chExt cx="0" cy="0"/>
+        </a:xfrm>
+      </p:grpSpPr>
+      <p:sp>
+        <p:nvSpPr>
+          <p:cNvPr id="2" name="Title 1">
+            <a:extLst>
+              <a:ext uri="{FF2B5EF4-FFF2-40B4-BE49-F238E27FC236}">
+                <a16:creationId xmlns:a16="http://schemas.microsoft.com/office/drawing/2014/main" id="{83383B35-A594-6FEC-F6C6-164DA29E33A1}"/>
+              </a:ext>
+            </a:extLst>
+          </p:cNvPr>
+          <p:cNvSpPr>
+            <a:spLocks noGrp="1"/>
+          </p:cNvSpPr>
+          <p:nvPr>
+            <p:ph type="title"/>
+          </p:nvPr>
+        </p:nvSpPr>
+        <p:spPr/>
+        <p:txBody>
+          <a:bodyPr/>
+          <a:lstStyle/>
+          <a:p>
+            <a:endParaRPr lang="en-US" dirty="0"/>
+          </a:p>
+        </p:txBody>
+      </p:sp>
+      <p:sp>
+        <p:nvSpPr>
+          <p:cNvPr id="3" name="Content Placeholder 2">
+            <a:extLst>
+              <a:ext uri="{FF2B5EF4-FFF2-40B4-BE49-F238E27FC236}">
+                <a16:creationId xmlns:a16="http://schemas.microsoft.com/office/drawing/2014/main" id="{48F0D40F-7699-6711-7769-1E643CE552E1}"/>
+              </a:ext>
+            </a:extLst>
+          </p:cNvPr>
+          <p:cNvSpPr>
+            <a:spLocks noGrp="1"/>
+          </p:cNvSpPr>
+          <p:nvPr>
+            <p:ph idx="1"/>
+          </p:nvPr>
+        </p:nvSpPr>
+        <p:spPr/>
+        <p:txBody>
+          <a:bodyPr/>
+          <a:lstStyle/>
+          <a:p>
+            <a:pPr marL="0" indent="0" algn="ctr">
+              <a:buNone/>
+            </a:pPr>
+            <a:endParaRPr lang="en-US" dirty="0"/>
+          </a:p>
+          <a:p>
+            <a:pPr marL="0" indent="0" algn="ctr">
+              <a:buNone/>
+            </a:pPr>
+            <a:endParaRPr lang="en-US" dirty="0"/>
+          </a:p>
+          <a:p>
+            <a:pPr marL="0" indent="0" algn="ctr">
+              <a:buNone/>
+            </a:pPr>
+            <a:endParaRPr lang="en-US" dirty="0"/>
+          </a:p>
+          <a:p>
+            <a:pPr marL="0" indent="0" algn="ctr">
+              <a:buNone/>
+            </a:pPr>
+            <a:r>
+              <a:rPr lang="en-US" dirty="0"/>
+              <a:t>Thank you for you time!</a:t>
+            </a:r>
+          </a:p>
+        </p:txBody>
+      </p:sp>
+    </p:spTree>
+    <p:extLst>
+      <p:ext uri="{BB962C8B-B14F-4D97-AF65-F5344CB8AC3E}">
+        <p14:creationId xmlns:p14="http://schemas.microsoft.com/office/powerpoint/2010/main" val="300316836"/>
+      </p:ext>
+    </p:extLst>
+  </p:cSld>
+  <p:clrMapOvr>
+    <a:masterClrMapping/>
+  </p:clrMapOvr>
+</p:sld>
+</file>
+
+<file path=ppt/slides/slide3.xml><?xml version="1.0" encoding="utf-8"?>
+<p:sld xmlns:a="http://schemas.openxmlformats.org/drawingml/2006/main" xmlns:r="http://schemas.openxmlformats.org/officeDocument/2006/relationships" xmlns:p="http://schemas.openxmlformats.org/presentationml/2006/main">
+  <p:cSld>
+    <p:spTree>
+      <p:nvGrpSpPr>
+        <p:cNvPr id="1" name=""/>
+        <p:cNvGrpSpPr/>
+        <p:nvPr/>
+      </p:nvGrpSpPr>
+      <p:grpSpPr>
+        <a:xfrm>
+          <a:off x="0" y="0"/>
+          <a:ext cx="0" cy="0"/>
+          <a:chOff x="0" y="0"/>
+          <a:chExt cx="0" cy="0"/>
+        </a:xfrm>
+      </p:grpSpPr>
+      <p:sp>
+        <p:nvSpPr>
+          <p:cNvPr id="2" name="Title 1">
+            <a:extLst>
+              <a:ext uri="{FF2B5EF4-FFF2-40B4-BE49-F238E27FC236}">
+                <a16:creationId xmlns:a16="http://schemas.microsoft.com/office/drawing/2014/main" id="{A424FEFE-361B-B667-53C0-DD194407FEF7}"/>
+              </a:ext>
+            </a:extLst>
+          </p:cNvPr>
+          <p:cNvSpPr>
+            <a:spLocks noGrp="1"/>
+          </p:cNvSpPr>
+          <p:nvPr>
+            <p:ph type="title"/>
+          </p:nvPr>
+        </p:nvSpPr>
+        <p:spPr/>
+        <p:txBody>
+          <a:bodyPr/>
+          <a:lstStyle/>
+          <a:p>
+            <a:pPr algn="ctr"/>
+            <a:r>
+              <a:rPr lang="en-US" dirty="0"/>
+              <a:t>Dataset Details </a:t>
+            </a:r>
+          </a:p>
+        </p:txBody>
+      </p:sp>
+      <p:sp>
+        <p:nvSpPr>
+          <p:cNvPr id="3" name="Content Placeholder 2">
+            <a:extLst>
+              <a:ext uri="{FF2B5EF4-FFF2-40B4-BE49-F238E27FC236}">
+                <a16:creationId xmlns:a16="http://schemas.microsoft.com/office/drawing/2014/main" id="{563BFC53-FDF5-484B-1473-D87BDD95B29C}"/>
+              </a:ext>
+            </a:extLst>
+          </p:cNvPr>
+          <p:cNvSpPr>
+            <a:spLocks noGrp="1"/>
+          </p:cNvSpPr>
+          <p:nvPr>
+            <p:ph idx="1"/>
+          </p:nvPr>
+        </p:nvSpPr>
+        <p:spPr/>
+        <p:txBody>
+          <a:bodyPr/>
+          <a:lstStyle/>
+          <a:p>
+            <a:r>
+              <a:rPr lang="en-US" dirty="0"/>
+              <a:t>The dataset is consisted of 145 instances and 33 attributes </a:t>
+            </a:r>
+          </a:p>
+          <a:p>
+            <a:r>
+              <a:rPr lang="en-US" dirty="0"/>
+              <a:t>It’s a multivariant dataset of integer values </a:t>
+            </a:r>
+          </a:p>
+          <a:p>
+            <a:r>
+              <a:rPr lang="en-US" dirty="0"/>
+              <a:t>8 class labels which are the grades of students (multiclass classification)</a:t>
+            </a:r>
+          </a:p>
+          <a:p>
+            <a:r>
+              <a:rPr lang="en-US" dirty="0"/>
+              <a:t>No NA or Null values </a:t>
+            </a:r>
+          </a:p>
+          <a:p>
+            <a:endParaRPr lang="en-US" dirty="0"/>
+          </a:p>
+        </p:txBody>
+      </p:sp>
+    </p:spTree>
+    <p:extLst>
+      <p:ext uri="{BB962C8B-B14F-4D97-AF65-F5344CB8AC3E}">
+        <p14:creationId xmlns:p14="http://schemas.microsoft.com/office/powerpoint/2010/main" val="1797126291"/>
+      </p:ext>
+    </p:extLst>
+  </p:cSld>
+  <p:clrMapOvr>
+    <a:masterClrMapping/>
+  </p:clrMapOvr>
+</p:sld>
+</file>
+
+<file path=ppt/slides/slide4.xml><?xml version="1.0" encoding="utf-8"?>
+<p:sld xmlns:a="http://schemas.openxmlformats.org/drawingml/2006/main" xmlns:r="http://schemas.openxmlformats.org/officeDocument/2006/relationships" xmlns:p="http://schemas.openxmlformats.org/presentationml/2006/main">
+  <p:cSld>
+    <p:spTree>
+      <p:nvGrpSpPr>
+        <p:cNvPr id="1" name=""/>
+        <p:cNvGrpSpPr/>
+        <p:nvPr/>
+      </p:nvGrpSpPr>
+      <p:grpSpPr>
+        <a:xfrm>
+          <a:off x="0" y="0"/>
+          <a:ext cx="0" cy="0"/>
+          <a:chOff x="0" y="0"/>
+          <a:chExt cx="0" cy="0"/>
+        </a:xfrm>
+      </p:grpSpPr>
+      <p:sp>
+        <p:nvSpPr>
+          <p:cNvPr id="2" name="Title 1">
+            <a:extLst>
+              <a:ext uri="{FF2B5EF4-FFF2-40B4-BE49-F238E27FC236}">
+                <a16:creationId xmlns:a16="http://schemas.microsoft.com/office/drawing/2014/main" id="{E73A31D6-A46C-35C0-C172-AC1C2E36CB05}"/>
+              </a:ext>
+            </a:extLst>
+          </p:cNvPr>
+          <p:cNvSpPr>
+            <a:spLocks noGrp="1"/>
+          </p:cNvSpPr>
+          <p:nvPr>
+            <p:ph type="title"/>
+          </p:nvPr>
+        </p:nvSpPr>
+        <p:spPr/>
+        <p:txBody>
+          <a:bodyPr/>
+          <a:lstStyle/>
+          <a:p>
+            <a:pPr algn="ctr"/>
+            <a:r>
+              <a:rPr lang="en-US" dirty="0"/>
+              <a:t>Correlation </a:t>
+            </a:r>
+          </a:p>
+        </p:txBody>
+      </p:sp>
+      <p:pic>
+        <p:nvPicPr>
+          <p:cNvPr id="5" name="Content Placeholder 4" descr="Shape&#10;&#10;Description automatically generated">
+            <a:extLst>
+              <a:ext uri="{FF2B5EF4-FFF2-40B4-BE49-F238E27FC236}">
+                <a16:creationId xmlns:a16="http://schemas.microsoft.com/office/drawing/2014/main" id="{C26F2866-B541-B034-1621-72E18E48B2C8}"/>
+              </a:ext>
+            </a:extLst>
+          </p:cNvPr>
+          <p:cNvPicPr>
+            <a:picLocks noGrp="1" noChangeAspect="1"/>
+          </p:cNvPicPr>
+          <p:nvPr>
+            <p:ph idx="1"/>
+          </p:nvPr>
+        </p:nvPicPr>
+        <p:blipFill>
+          <a:blip r:embed="rId2">
+            <a:extLst>
+              <a:ext uri="{28A0092B-C50C-407E-A947-70E740481C1C}">
+                <a14:useLocalDpi xmlns:a14="http://schemas.microsoft.com/office/drawing/2010/main" val="0"/>
+              </a:ext>
+            </a:extLst>
+          </a:blip>
+          <a:stretch>
+            <a:fillRect/>
+          </a:stretch>
+        </p:blipFill>
+        <p:spPr>
+          <a:xfrm>
+            <a:off x="2767879" y="1404938"/>
+            <a:ext cx="6656242" cy="5087937"/>
+          </a:xfrm>
+        </p:spPr>
+      </p:pic>
+    </p:spTree>
+    <p:extLst>
+      <p:ext uri="{BB962C8B-B14F-4D97-AF65-F5344CB8AC3E}">
+        <p14:creationId xmlns:p14="http://schemas.microsoft.com/office/powerpoint/2010/main" val="2996697043"/>
+      </p:ext>
+    </p:extLst>
+  </p:cSld>
+  <p:clrMapOvr>
+    <a:masterClrMapping/>
+  </p:clrMapOvr>
+</p:sld>
+</file>
+
+<file path=ppt/slides/slide5.xml><?xml version="1.0" encoding="utf-8"?>
+<p:sld xmlns:a="http://schemas.openxmlformats.org/drawingml/2006/main" xmlns:r="http://schemas.openxmlformats.org/officeDocument/2006/relationships" xmlns:p="http://schemas.openxmlformats.org/presentationml/2006/main">
+  <p:cSld>
+    <p:spTree>
+      <p:nvGrpSpPr>
+        <p:cNvPr id="1" name=""/>
+        <p:cNvGrpSpPr/>
+        <p:nvPr/>
+      </p:nvGrpSpPr>
+      <p:grpSpPr>
+        <a:xfrm>
+          <a:off x="0" y="0"/>
+          <a:ext cx="0" cy="0"/>
+          <a:chOff x="0" y="0"/>
+          <a:chExt cx="0" cy="0"/>
+        </a:xfrm>
+      </p:grpSpPr>
+      <p:sp>
+        <p:nvSpPr>
+          <p:cNvPr id="2" name="Title 1">
+            <a:extLst>
+              <a:ext uri="{FF2B5EF4-FFF2-40B4-BE49-F238E27FC236}">
+                <a16:creationId xmlns:a16="http://schemas.microsoft.com/office/drawing/2014/main" id="{47800949-97B6-C214-227B-4A6BB8A99512}"/>
+              </a:ext>
+            </a:extLst>
+          </p:cNvPr>
+          <p:cNvSpPr>
+            <a:spLocks noGrp="1"/>
+          </p:cNvSpPr>
+          <p:nvPr>
+            <p:ph type="title"/>
+          </p:nvPr>
+        </p:nvSpPr>
+        <p:spPr/>
+        <p:txBody>
+          <a:bodyPr/>
+          <a:lstStyle/>
+          <a:p>
+            <a:pPr algn="ctr"/>
+            <a:r>
+              <a:rPr lang="en-US" dirty="0"/>
+              <a:t>Standardization</a:t>
+            </a:r>
+          </a:p>
+        </p:txBody>
+      </p:sp>
+      <mc:AlternateContent xmlns:mc="http://schemas.openxmlformats.org/markup-compatibility/2006">
+        <mc:Choice xmlns:a14="http://schemas.microsoft.com/office/drawing/2010/main" Requires="a14">
+          <p:sp>
+            <p:nvSpPr>
+              <p:cNvPr id="3" name="Content Placeholder 2">
+                <a:extLst>
+                  <a:ext uri="{FF2B5EF4-FFF2-40B4-BE49-F238E27FC236}">
+                    <a16:creationId xmlns:a16="http://schemas.microsoft.com/office/drawing/2014/main" id="{B77ADE45-4517-940A-0128-511D5C83B137}"/>
+                  </a:ext>
+                </a:extLst>
+              </p:cNvPr>
+              <p:cNvSpPr>
+                <a:spLocks noGrp="1"/>
+              </p:cNvSpPr>
+              <p:nvPr>
+                <p:ph idx="1"/>
+              </p:nvPr>
+            </p:nvSpPr>
+            <p:spPr>
+              <a:xfrm>
+                <a:off x="4663272" y="4615007"/>
+                <a:ext cx="2865453" cy="2099830"/>
+              </a:xfrm>
+            </p:spPr>
+            <p:txBody>
+              <a:bodyPr/>
+              <a:lstStyle/>
+              <a:p>
+                <a:pPr/>
+                <a:endParaRPr lang="en-US" sz="1800" dirty="0">
+                  <a:effectLst/>
+                  <a:latin typeface="Calibri" panose="020F0502020204030204" pitchFamily="34" charset="0"/>
+                  <a:ea typeface="Calibri" panose="020F0502020204030204" pitchFamily="34" charset="0"/>
+                  <a:cs typeface="Arial" panose="020B0604020202020204" pitchFamily="34" charset="0"/>
+                </a:endParaRPr>
+              </a:p>
+              <a:p>
+                <a:endParaRPr lang="en-US" dirty="0"/>
+              </a:p>
+              <a:p>
+                <a:pPr marL="0" indent="0">
+                  <a:buNone/>
+                </a:pPr>
+                <a14:m>
+                  <m:oMathPara xmlns:m="http://schemas.openxmlformats.org/officeDocument/2006/math">
+                    <m:oMathParaPr>
+                      <m:jc m:val="centerGroup"/>
+                    </m:oMathParaPr>
+                    <m:oMath xmlns:m="http://schemas.openxmlformats.org/officeDocument/2006/math">
+                      <m:sSub>
+                        <m:sSubPr>
+                          <m:ctrlPr>
+                            <a:rPr lang="en-US" i="1" smtClean="0"/>
+                          </m:ctrlPr>
+                        </m:sSubPr>
+                        <m:e>
+                          <m:r>
+                            <a:rPr lang="en-US" i="1"/>
+                            <m:t>𝑥</m:t>
+                          </m:r>
+                        </m:e>
+                        <m:sub>
+                          <m:r>
+                            <a:rPr lang="en-US" i="1"/>
+                            <m:t>𝑠𝑡𝑎𝑛𝑑</m:t>
+                          </m:r>
+                        </m:sub>
+                      </m:sSub>
+                      <m:r>
+                        <a:rPr lang="en-US" i="1"/>
+                        <m:t>=</m:t>
+                      </m:r>
+                      <m:f>
+                        <m:fPr>
+                          <m:ctrlPr>
+                            <a:rPr lang="en-US" i="1"/>
+                          </m:ctrlPr>
+                        </m:fPr>
+                        <m:num>
+                          <m:r>
+                            <a:rPr lang="en-US" i="1"/>
+                            <m:t>𝑥</m:t>
+                          </m:r>
+                          <m:r>
+                            <a:rPr lang="en-US" i="1"/>
+                            <m:t>−</m:t>
+                          </m:r>
+                          <m:r>
+                            <a:rPr lang="en-US" i="1"/>
+                            <m:t>𝑢</m:t>
+                          </m:r>
+                          <m:r>
+                            <a:rPr lang="en-US" i="1"/>
+                            <m:t>(</m:t>
+                          </m:r>
+                          <m:r>
+                            <a:rPr lang="en-US" i="1"/>
+                            <m:t>𝑥</m:t>
+                          </m:r>
+                          <m:r>
+                            <a:rPr lang="en-US" i="1"/>
+                            <m:t>)</m:t>
+                          </m:r>
+                        </m:num>
+                        <m:den>
+                          <m:r>
+                            <a:rPr lang="en-US" i="1"/>
+                            <m:t>𝑠𝑑</m:t>
+                          </m:r>
+                          <m:r>
+                            <a:rPr lang="en-US" i="1"/>
+                            <m:t>(</m:t>
+                          </m:r>
+                          <m:r>
+                            <a:rPr lang="en-US" i="1"/>
+                            <m:t>𝑥</m:t>
+                          </m:r>
+                          <m:r>
+                            <a:rPr lang="en-US" i="1"/>
+                            <m:t>)</m:t>
+                          </m:r>
+                        </m:den>
+                      </m:f>
+                    </m:oMath>
+                  </m:oMathPara>
+                </a14:m>
+                <a:endParaRPr lang="en-US" dirty="0"/>
+              </a:p>
+            </p:txBody>
+          </p:sp>
+        </mc:Choice>
+        <mc:Fallback>
+          <p:sp>
+            <p:nvSpPr>
+              <p:cNvPr id="3" name="Content Placeholder 2">
+                <a:extLst>
+                  <a:ext uri="{FF2B5EF4-FFF2-40B4-BE49-F238E27FC236}">
+                    <a16:creationId xmlns:a16="http://schemas.microsoft.com/office/drawing/2014/main" id="{B77ADE45-4517-940A-0128-511D5C83B137}"/>
+                  </a:ext>
+                </a:extLst>
+              </p:cNvPr>
+              <p:cNvSpPr>
+                <a:spLocks noGrp="1" noRot="1" noChangeAspect="1" noMove="1" noResize="1" noEditPoints="1" noAdjustHandles="1" noChangeArrowheads="1" noChangeShapeType="1" noTextEdit="1"/>
+              </p:cNvSpPr>
+              <p:nvPr>
+                <p:ph idx="1"/>
+              </p:nvPr>
+            </p:nvSpPr>
+            <p:spPr>
+              <a:xfrm>
+                <a:off x="4663272" y="4615007"/>
+                <a:ext cx="2865453" cy="2099830"/>
+              </a:xfrm>
+              <a:blipFill>
+                <a:blip r:embed="rId2"/>
+                <a:stretch>
+                  <a:fillRect/>
+                </a:stretch>
+              </a:blipFill>
+            </p:spPr>
+            <p:txBody>
+              <a:bodyPr/>
+              <a:lstStyle/>
+              <a:p>
+                <a:r>
+                  <a:rPr lang="en-US">
+                    <a:noFill/>
+                  </a:rPr>
+                  <a:t> </a:t>
+                </a:r>
+              </a:p>
+            </p:txBody>
+          </p:sp>
+        </mc:Fallback>
+      </mc:AlternateContent>
+      <p:pic>
+        <p:nvPicPr>
+          <p:cNvPr id="5" name="Picture 4" descr="A picture containing diagram&#10;&#10;Description automatically generated">
+            <a:extLst>
+              <a:ext uri="{FF2B5EF4-FFF2-40B4-BE49-F238E27FC236}">
+                <a16:creationId xmlns:a16="http://schemas.microsoft.com/office/drawing/2014/main" id="{7A2F2182-C476-B03C-417A-7796D092E4BB}"/>
+              </a:ext>
+            </a:extLst>
+          </p:cNvPr>
+          <p:cNvPicPr>
+            <a:picLocks noChangeAspect="1"/>
+          </p:cNvPicPr>
+          <p:nvPr/>
+        </p:nvPicPr>
+        <p:blipFill>
+          <a:blip r:embed="rId3">
+            <a:extLst>
+              <a:ext uri="{28A0092B-C50C-407E-A947-70E740481C1C}">
+                <a14:useLocalDpi xmlns:a14="http://schemas.microsoft.com/office/drawing/2010/main" val="0"/>
+              </a:ext>
+            </a:extLst>
+          </a:blip>
+          <a:stretch>
+            <a:fillRect/>
+          </a:stretch>
+        </p:blipFill>
+        <p:spPr>
+          <a:xfrm>
+            <a:off x="2438399" y="1427884"/>
+            <a:ext cx="7315200" cy="3657600"/>
+          </a:xfrm>
+          <a:prstGeom prst="rect">
+            <a:avLst/>
+          </a:prstGeom>
+        </p:spPr>
+      </p:pic>
+    </p:spTree>
+    <p:extLst>
+      <p:ext uri="{BB962C8B-B14F-4D97-AF65-F5344CB8AC3E}">
+        <p14:creationId xmlns:p14="http://schemas.microsoft.com/office/powerpoint/2010/main" val="2052598194"/>
+      </p:ext>
+    </p:extLst>
+  </p:cSld>
+  <p:clrMapOvr>
+    <a:masterClrMapping/>
+  </p:clrMapOvr>
+</p:sld>
+</file>
+
+<file path=ppt/slides/slide6.xml><?xml version="1.0" encoding="utf-8"?>
+<p:sld xmlns:a="http://schemas.openxmlformats.org/drawingml/2006/main" xmlns:r="http://schemas.openxmlformats.org/officeDocument/2006/relationships" xmlns:p="http://schemas.openxmlformats.org/presentationml/2006/main">
+  <p:cSld>
+    <p:spTree>
+      <p:nvGrpSpPr>
+        <p:cNvPr id="1" name=""/>
+        <p:cNvGrpSpPr/>
+        <p:nvPr/>
+      </p:nvGrpSpPr>
+      <p:grpSpPr>
+        <a:xfrm>
+          <a:off x="0" y="0"/>
+          <a:ext cx="0" cy="0"/>
+          <a:chOff x="0" y="0"/>
+          <a:chExt cx="0" cy="0"/>
+        </a:xfrm>
+      </p:grpSpPr>
+      <p:sp>
+        <p:nvSpPr>
+          <p:cNvPr id="2" name="Title 1">
+            <a:extLst>
+              <a:ext uri="{FF2B5EF4-FFF2-40B4-BE49-F238E27FC236}">
+                <a16:creationId xmlns:a16="http://schemas.microsoft.com/office/drawing/2014/main" id="{5FC2B5EC-2526-D342-1B4F-A5F794368908}"/>
+              </a:ext>
+            </a:extLst>
+          </p:cNvPr>
+          <p:cNvSpPr>
+            <a:spLocks noGrp="1"/>
+          </p:cNvSpPr>
+          <p:nvPr>
+            <p:ph type="title"/>
+          </p:nvPr>
+        </p:nvSpPr>
+        <p:spPr>
+          <a:xfrm>
+            <a:off x="838200" y="365125"/>
+            <a:ext cx="10515600" cy="1330325"/>
+          </a:xfrm>
+        </p:spPr>
+        <p:txBody>
+          <a:bodyPr/>
+          <a:lstStyle/>
+          <a:p>
+            <a:pPr algn="ctr"/>
+            <a:r>
+              <a:rPr lang="en-US" dirty="0"/>
+              <a:t>Random Oversampling </a:t>
+            </a:r>
+          </a:p>
+        </p:txBody>
+      </p:sp>
+      <p:pic>
+        <p:nvPicPr>
+          <p:cNvPr id="5" name="Content Placeholder 4" descr="Logo&#10;&#10;Description automatically generated with medium confidence">
+            <a:extLst>
+              <a:ext uri="{FF2B5EF4-FFF2-40B4-BE49-F238E27FC236}">
+                <a16:creationId xmlns:a16="http://schemas.microsoft.com/office/drawing/2014/main" id="{EC1ED1F6-9F2B-70E9-DB66-1BFDC91ED8CE}"/>
+              </a:ext>
+            </a:extLst>
+          </p:cNvPr>
+          <p:cNvPicPr>
+            <a:picLocks noGrp="1" noChangeAspect="1"/>
+          </p:cNvPicPr>
+          <p:nvPr>
+            <p:ph idx="1"/>
+          </p:nvPr>
+        </p:nvPicPr>
+        <p:blipFill>
+          <a:blip r:embed="rId2">
+            <a:extLst>
+              <a:ext uri="{28A0092B-C50C-407E-A947-70E740481C1C}">
+                <a14:useLocalDpi xmlns:a14="http://schemas.microsoft.com/office/drawing/2010/main" val="0"/>
+              </a:ext>
+            </a:extLst>
+          </a:blip>
+          <a:stretch>
+            <a:fillRect/>
+          </a:stretch>
+        </p:blipFill>
+        <p:spPr>
+          <a:xfrm>
+            <a:off x="6318886" y="1828808"/>
+            <a:ext cx="5713817" cy="2847967"/>
+          </a:xfrm>
+        </p:spPr>
+      </p:pic>
+      <p:pic>
+        <p:nvPicPr>
+          <p:cNvPr id="7" name="Picture 6" descr="Chart, histogram&#10;&#10;Description automatically generated">
+            <a:extLst>
+              <a:ext uri="{FF2B5EF4-FFF2-40B4-BE49-F238E27FC236}">
+                <a16:creationId xmlns:a16="http://schemas.microsoft.com/office/drawing/2014/main" id="{C8472235-5F5C-FF7A-970A-2E5AB7191102}"/>
+              </a:ext>
+            </a:extLst>
+          </p:cNvPr>
+          <p:cNvPicPr>
+            <a:picLocks noChangeAspect="1"/>
+          </p:cNvPicPr>
+          <p:nvPr/>
+        </p:nvPicPr>
+        <p:blipFill>
+          <a:blip r:embed="rId3">
+            <a:extLst>
+              <a:ext uri="{28A0092B-C50C-407E-A947-70E740481C1C}">
+                <a14:useLocalDpi xmlns:a14="http://schemas.microsoft.com/office/drawing/2010/main" val="0"/>
+              </a:ext>
+            </a:extLst>
+          </a:blip>
+          <a:stretch>
+            <a:fillRect/>
+          </a:stretch>
+        </p:blipFill>
+        <p:spPr>
+          <a:xfrm>
+            <a:off x="382180" y="1828808"/>
+            <a:ext cx="5713820" cy="2847968"/>
+          </a:xfrm>
+          <a:prstGeom prst="rect">
+            <a:avLst/>
+          </a:prstGeom>
+        </p:spPr>
+      </p:pic>
+      <p:sp>
+        <p:nvSpPr>
+          <p:cNvPr id="8" name="TextBox 7">
+            <a:extLst>
+              <a:ext uri="{FF2B5EF4-FFF2-40B4-BE49-F238E27FC236}">
+                <a16:creationId xmlns:a16="http://schemas.microsoft.com/office/drawing/2014/main" id="{6594033C-0E9F-E6D6-3739-276B212D742A}"/>
+              </a:ext>
+            </a:extLst>
+          </p:cNvPr>
+          <p:cNvSpPr txBox="1"/>
+          <p:nvPr/>
+        </p:nvSpPr>
+        <p:spPr>
+          <a:xfrm>
+            <a:off x="597809" y="4972050"/>
+            <a:ext cx="11442153" cy="369332"/>
+          </a:xfrm>
+          <a:prstGeom prst="rect">
+            <a:avLst/>
+          </a:prstGeom>
+          <a:noFill/>
+        </p:spPr>
+        <p:txBody>
+          <a:bodyPr wrap="square" rtlCol="0">
+            <a:spAutoFit/>
+          </a:bodyPr>
+          <a:lstStyle/>
+          <a:p>
+            <a:r>
+              <a:rPr lang="en-US" dirty="0"/>
+              <a:t>	Before Random Oversampling 				After Random Oversampling </a:t>
+            </a:r>
+          </a:p>
+        </p:txBody>
+      </p:sp>
+    </p:spTree>
+    <p:extLst>
+      <p:ext uri="{BB962C8B-B14F-4D97-AF65-F5344CB8AC3E}">
+        <p14:creationId xmlns:p14="http://schemas.microsoft.com/office/powerpoint/2010/main" val="1585032966"/>
+      </p:ext>
+    </p:extLst>
+  </p:cSld>
+  <p:clrMapOvr>
+    <a:masterClrMapping/>
+  </p:clrMapOvr>
+</p:sld>
+</file>
+
+<file path=ppt/slides/slide7.xml><?xml version="1.0" encoding="utf-8"?>
+<p:sld xmlns:a="http://schemas.openxmlformats.org/drawingml/2006/main" xmlns:r="http://schemas.openxmlformats.org/officeDocument/2006/relationships" xmlns:p="http://schemas.openxmlformats.org/presentationml/2006/main">
+  <p:cSld>
+    <p:spTree>
+      <p:nvGrpSpPr>
+        <p:cNvPr id="1" name=""/>
+        <p:cNvGrpSpPr/>
+        <p:nvPr/>
+      </p:nvGrpSpPr>
+      <p:grpSpPr>
+        <a:xfrm>
+          <a:off x="0" y="0"/>
+          <a:ext cx="0" cy="0"/>
+          <a:chOff x="0" y="0"/>
+          <a:chExt cx="0" cy="0"/>
+        </a:xfrm>
+      </p:grpSpPr>
+      <p:sp>
+        <p:nvSpPr>
+          <p:cNvPr id="2" name="Title 1">
+            <a:extLst>
+              <a:ext uri="{FF2B5EF4-FFF2-40B4-BE49-F238E27FC236}">
+                <a16:creationId xmlns:a16="http://schemas.microsoft.com/office/drawing/2014/main" id="{61942D19-ECEF-FC49-A288-24EF49525263}"/>
+              </a:ext>
+            </a:extLst>
+          </p:cNvPr>
+          <p:cNvSpPr>
+            <a:spLocks noGrp="1"/>
+          </p:cNvSpPr>
+          <p:nvPr>
+            <p:ph type="title"/>
+          </p:nvPr>
+        </p:nvSpPr>
+        <p:spPr/>
+        <p:txBody>
+          <a:bodyPr/>
+          <a:lstStyle/>
+          <a:p>
+            <a:pPr algn="ctr"/>
+            <a:r>
+              <a:rPr lang="en-US" dirty="0"/>
+              <a:t>PCA</a:t>
+            </a:r>
+          </a:p>
+        </p:txBody>
+      </p:sp>
+      <p:sp>
+        <p:nvSpPr>
+          <p:cNvPr id="3" name="Content Placeholder 2">
+            <a:extLst>
+              <a:ext uri="{FF2B5EF4-FFF2-40B4-BE49-F238E27FC236}">
+                <a16:creationId xmlns:a16="http://schemas.microsoft.com/office/drawing/2014/main" id="{2275357C-1965-BE27-9625-FCF52587A554}"/>
+              </a:ext>
+            </a:extLst>
+          </p:cNvPr>
+          <p:cNvSpPr>
+            <a:spLocks noGrp="1"/>
+          </p:cNvSpPr>
+          <p:nvPr>
+            <p:ph idx="1"/>
+          </p:nvPr>
+        </p:nvSpPr>
+        <p:spPr/>
+        <p:txBody>
+          <a:bodyPr/>
+          <a:lstStyle/>
+          <a:p>
+            <a:r>
+              <a:rPr lang="en-US" dirty="0"/>
+              <a:t>Must find the right number of principle components </a:t>
+            </a:r>
+          </a:p>
+        </p:txBody>
+      </p:sp>
+      <p:pic>
+        <p:nvPicPr>
+          <p:cNvPr id="5" name="Picture 4" descr="Chart, line chart&#10;&#10;Description automatically generated">
+            <a:extLst>
+              <a:ext uri="{FF2B5EF4-FFF2-40B4-BE49-F238E27FC236}">
+                <a16:creationId xmlns:a16="http://schemas.microsoft.com/office/drawing/2014/main" id="{32F4B88B-3A78-3C60-D1BD-FEA23F343B2E}"/>
+              </a:ext>
+            </a:extLst>
+          </p:cNvPr>
+          <p:cNvPicPr>
+            <a:picLocks noChangeAspect="1"/>
+          </p:cNvPicPr>
+          <p:nvPr/>
+        </p:nvPicPr>
+        <p:blipFill>
+          <a:blip r:embed="rId2">
+            <a:extLst>
+              <a:ext uri="{28A0092B-C50C-407E-A947-70E740481C1C}">
+                <a14:useLocalDpi xmlns:a14="http://schemas.microsoft.com/office/drawing/2010/main" val="0"/>
+              </a:ext>
+            </a:extLst>
+          </a:blip>
+          <a:stretch>
+            <a:fillRect/>
+          </a:stretch>
+        </p:blipFill>
+        <p:spPr>
+          <a:xfrm>
+            <a:off x="2191238" y="2260808"/>
+            <a:ext cx="7809524" cy="3326984"/>
+          </a:xfrm>
+          <a:prstGeom prst="rect">
+            <a:avLst/>
+          </a:prstGeom>
+        </p:spPr>
+      </p:pic>
+    </p:spTree>
+    <p:extLst>
+      <p:ext uri="{BB962C8B-B14F-4D97-AF65-F5344CB8AC3E}">
+        <p14:creationId xmlns:p14="http://schemas.microsoft.com/office/powerpoint/2010/main" val="956687627"/>
+      </p:ext>
+    </p:extLst>
+  </p:cSld>
+  <p:clrMapOvr>
+    <a:masterClrMapping/>
+  </p:clrMapOvr>
+</p:sld>
+</file>
+
+<file path=ppt/slides/slide8.xml><?xml version="1.0" encoding="utf-8"?>
+<p:sld xmlns:a="http://schemas.openxmlformats.org/drawingml/2006/main" xmlns:r="http://schemas.openxmlformats.org/officeDocument/2006/relationships" xmlns:p="http://schemas.openxmlformats.org/presentationml/2006/main">
+  <p:cSld>
+    <p:spTree>
+      <p:nvGrpSpPr>
+        <p:cNvPr id="1" name=""/>
+        <p:cNvGrpSpPr/>
+        <p:nvPr/>
+      </p:nvGrpSpPr>
+      <p:grpSpPr>
+        <a:xfrm>
+          <a:off x="0" y="0"/>
+          <a:ext cx="0" cy="0"/>
+          <a:chOff x="0" y="0"/>
+          <a:chExt cx="0" cy="0"/>
+        </a:xfrm>
+      </p:grpSpPr>
+      <p:sp>
+        <p:nvSpPr>
+          <p:cNvPr id="2" name="Title 1">
+            <a:extLst>
+              <a:ext uri="{FF2B5EF4-FFF2-40B4-BE49-F238E27FC236}">
+                <a16:creationId xmlns:a16="http://schemas.microsoft.com/office/drawing/2014/main" id="{7223E36D-1E60-4044-A7AF-393BF6B2E9FE}"/>
+              </a:ext>
+            </a:extLst>
+          </p:cNvPr>
+          <p:cNvSpPr>
+            <a:spLocks noGrp="1"/>
+          </p:cNvSpPr>
+          <p:nvPr>
+            <p:ph type="title"/>
+          </p:nvPr>
+        </p:nvSpPr>
+        <p:spPr>
+          <a:xfrm>
+            <a:off x="838200" y="248153"/>
+            <a:ext cx="10515600" cy="1325563"/>
+          </a:xfrm>
+        </p:spPr>
+        <p:txBody>
+          <a:bodyPr/>
+          <a:lstStyle/>
+          <a:p>
+            <a:pPr algn="ctr"/>
+            <a:r>
+              <a:rPr lang="en-US" dirty="0"/>
+              <a:t>Outliers </a:t>
+            </a:r>
+          </a:p>
+        </p:txBody>
+      </p:sp>
+      <p:pic>
+        <p:nvPicPr>
+          <p:cNvPr id="5" name="Content Placeholder 4" descr="Chart, surface chart&#10;&#10;Description automatically generated">
+            <a:extLst>
+              <a:ext uri="{FF2B5EF4-FFF2-40B4-BE49-F238E27FC236}">
+                <a16:creationId xmlns:a16="http://schemas.microsoft.com/office/drawing/2014/main" id="{BB087FC9-B742-138C-E0AF-0208D376D667}"/>
+              </a:ext>
+            </a:extLst>
+          </p:cNvPr>
+          <p:cNvPicPr>
+            <a:picLocks noGrp="1" noChangeAspect="1"/>
+          </p:cNvPicPr>
+          <p:nvPr>
+            <p:ph idx="1"/>
+          </p:nvPr>
+        </p:nvPicPr>
+        <p:blipFill>
+          <a:blip r:embed="rId2">
+            <a:extLst>
+              <a:ext uri="{28A0092B-C50C-407E-A947-70E740481C1C}">
+                <a14:useLocalDpi xmlns:a14="http://schemas.microsoft.com/office/drawing/2010/main" val="0"/>
+              </a:ext>
+            </a:extLst>
+          </a:blip>
+          <a:stretch>
+            <a:fillRect/>
+          </a:stretch>
+        </p:blipFill>
+        <p:spPr>
+          <a:xfrm>
+            <a:off x="3235211" y="1104340"/>
+            <a:ext cx="5721578" cy="5505507"/>
+          </a:xfrm>
+        </p:spPr>
+      </p:pic>
+    </p:spTree>
+    <p:extLst>
+      <p:ext uri="{BB962C8B-B14F-4D97-AF65-F5344CB8AC3E}">
+        <p14:creationId xmlns:p14="http://schemas.microsoft.com/office/powerpoint/2010/main" val="1138287957"/>
+      </p:ext>
+    </p:extLst>
+  </p:cSld>
+  <p:clrMapOvr>
+    <a:masterClrMapping/>
+  </p:clrMapOvr>
+</p:sld>
+</file>
+
+<file path=ppt/slides/slide9.xml><?xml version="1.0" encoding="utf-8"?>
+<p:sld xmlns:a="http://schemas.openxmlformats.org/drawingml/2006/main" xmlns:r="http://schemas.openxmlformats.org/officeDocument/2006/relationships" xmlns:p="http://schemas.openxmlformats.org/presentationml/2006/main">
+  <p:cSld>
+    <p:spTree>
+      <p:nvGrpSpPr>
+        <p:cNvPr id="1" name=""/>
+        <p:cNvGrpSpPr/>
+        <p:nvPr/>
+      </p:nvGrpSpPr>
+      <p:grpSpPr>
+        <a:xfrm>
+          <a:off x="0" y="0"/>
+          <a:ext cx="0" cy="0"/>
+          <a:chOff x="0" y="0"/>
+          <a:chExt cx="0" cy="0"/>
+        </a:xfrm>
+      </p:grpSpPr>
+      <p:sp>
+        <p:nvSpPr>
+          <p:cNvPr id="2" name="Title 1">
+            <a:extLst>
+              <a:ext uri="{FF2B5EF4-FFF2-40B4-BE49-F238E27FC236}">
+                <a16:creationId xmlns:a16="http://schemas.microsoft.com/office/drawing/2014/main" id="{22C8B1B9-3FD8-CC5E-B98D-F1E931188F22}"/>
+              </a:ext>
+            </a:extLst>
+          </p:cNvPr>
+          <p:cNvSpPr>
+            <a:spLocks noGrp="1"/>
+          </p:cNvSpPr>
+          <p:nvPr>
+            <p:ph type="title"/>
+          </p:nvPr>
+        </p:nvSpPr>
+        <p:spPr/>
+        <p:txBody>
+          <a:bodyPr/>
+          <a:lstStyle/>
+          <a:p>
+            <a:pPr algn="ctr"/>
+            <a:r>
+              <a:rPr lang="en-US" dirty="0"/>
+              <a:t>z-score </a:t>
+            </a:r>
+          </a:p>
+        </p:txBody>
+      </p:sp>
+      <mc:AlternateContent xmlns:mc="http://schemas.openxmlformats.org/markup-compatibility/2006">
+        <mc:Choice xmlns:a14="http://schemas.microsoft.com/office/drawing/2010/main" Requires="a14">
+          <p:sp>
+            <p:nvSpPr>
+              <p:cNvPr id="3" name="Content Placeholder 2">
+                <a:extLst>
+                  <a:ext uri="{FF2B5EF4-FFF2-40B4-BE49-F238E27FC236}">
+                    <a16:creationId xmlns:a16="http://schemas.microsoft.com/office/drawing/2014/main" id="{C000A678-854C-A3A9-75BF-DD69D434B923}"/>
+                  </a:ext>
+                </a:extLst>
+              </p:cNvPr>
+              <p:cNvSpPr>
+                <a:spLocks noGrp="1"/>
+              </p:cNvSpPr>
+              <p:nvPr>
+                <p:ph idx="1"/>
+              </p:nvPr>
+            </p:nvSpPr>
+            <p:spPr/>
+            <p:txBody>
+              <a:bodyPr/>
+              <a:lstStyle/>
+              <a:p>
+                <a:pPr marL="0" indent="0">
+                  <a:buNone/>
+                </a:pPr>
+                <a14:m>
+                  <m:oMathPara xmlns:m="http://schemas.openxmlformats.org/officeDocument/2006/math">
+                    <m:oMathParaPr>
+                      <m:jc m:val="left"/>
+                    </m:oMathParaPr>
+                    <m:oMath xmlns:m="http://schemas.openxmlformats.org/officeDocument/2006/math">
+                      <m:r>
+                        <m:rPr>
+                          <m:sty m:val="p"/>
+                        </m:rPr>
+                        <a:rPr lang="en-US" b="0" i="0" smtClean="0">
+                          <a:latin typeface="Cambria Math" panose="02040503050406030204" pitchFamily="18" charset="0"/>
+                        </a:rPr>
+                        <m:t>z</m:t>
+                      </m:r>
+                      <m:r>
+                        <a:rPr lang="en-US" b="0" i="0" smtClean="0">
+                          <a:latin typeface="Cambria Math" panose="02040503050406030204" pitchFamily="18" charset="0"/>
+                        </a:rPr>
+                        <m:t>=</m:t>
+                      </m:r>
+                      <m:f>
+                        <m:fPr>
+                          <m:ctrlPr>
+                            <a:rPr lang="el-GR" i="1" smtClean="0">
+                              <a:latin typeface="Cambria Math" panose="02040503050406030204" pitchFamily="18" charset="0"/>
+                            </a:rPr>
+                          </m:ctrlPr>
+                        </m:fPr>
+                        <m:num>
+                          <m:r>
+                            <a:rPr lang="en-US" b="0" i="1" smtClean="0">
+                              <a:latin typeface="Cambria Math" panose="02040503050406030204" pitchFamily="18" charset="0"/>
+                            </a:rPr>
+                            <m:t>(</m:t>
+                          </m:r>
+                          <m:r>
+                            <m:rPr>
+                              <m:nor/>
+                            </m:rPr>
+                            <a:rPr lang="en-US" dirty="0"/>
+                            <m:t>x</m:t>
+                          </m:r>
+                          <m:r>
+                            <m:rPr>
+                              <m:nor/>
+                            </m:rPr>
+                            <a:rPr lang="en-US" dirty="0"/>
+                            <m:t>-</m:t>
+                          </m:r>
+                          <m:r>
+                            <m:rPr>
+                              <m:nor/>
+                            </m:rPr>
+                            <a:rPr lang="en-US" dirty="0"/>
+                            <m:t>u</m:t>
+                          </m:r>
+                          <m:r>
+                            <m:rPr>
+                              <m:nor/>
+                            </m:rPr>
+                            <a:rPr lang="en-US" b="0" i="0" dirty="0" smtClean="0"/>
+                            <m:t>)</m:t>
+                          </m:r>
+                        </m:num>
+                        <m:den>
+                          <m:r>
+                            <m:rPr>
+                              <m:nor/>
+                            </m:rPr>
+                            <a:rPr lang="el-GR" dirty="0"/>
+                            <m:t>σ</m:t>
+                          </m:r>
+                        </m:den>
+                      </m:f>
+                    </m:oMath>
+                  </m:oMathPara>
+                </a14:m>
+                <a:endParaRPr lang="en-US" dirty="0"/>
+              </a:p>
+              <a:p>
+                <a:pPr marL="0" indent="0">
+                  <a:buNone/>
+                </a:pPr>
+                <a:r>
+                  <a:rPr lang="en-US" dirty="0"/>
+                  <a:t>Attributes with a z-score more that 3 will be eliminated </a:t>
+                </a:r>
+              </a:p>
+            </p:txBody>
+          </p:sp>
+        </mc:Choice>
+        <mc:Fallback>
+          <p:sp>
+            <p:nvSpPr>
+              <p:cNvPr id="3" name="Content Placeholder 2">
+                <a:extLst>
+                  <a:ext uri="{FF2B5EF4-FFF2-40B4-BE49-F238E27FC236}">
+                    <a16:creationId xmlns:a16="http://schemas.microsoft.com/office/drawing/2014/main" id="{C000A678-854C-A3A9-75BF-DD69D434B923}"/>
+                  </a:ext>
+                </a:extLst>
+              </p:cNvPr>
+              <p:cNvSpPr>
+                <a:spLocks noGrp="1" noRot="1" noChangeAspect="1" noMove="1" noResize="1" noEditPoints="1" noAdjustHandles="1" noChangeArrowheads="1" noChangeShapeType="1" noTextEdit="1"/>
+              </p:cNvSpPr>
+              <p:nvPr>
+                <p:ph idx="1"/>
+              </p:nvPr>
+            </p:nvSpPr>
+            <p:spPr>
+              <a:blipFill>
+                <a:blip r:embed="rId2"/>
+                <a:stretch>
+                  <a:fillRect l="-1217"/>
+                </a:stretch>
+              </a:blipFill>
+            </p:spPr>
+            <p:txBody>
+              <a:bodyPr/>
+              <a:lstStyle/>
+              <a:p>
+                <a:r>
+                  <a:rPr lang="en-US">
+                    <a:noFill/>
+                  </a:rPr>
+                  <a:t> </a:t>
+                </a:r>
+              </a:p>
+            </p:txBody>
+          </p:sp>
+        </mc:Fallback>
+      </mc:AlternateContent>
+    </p:spTree>
+    <p:extLst>
+      <p:ext uri="{BB962C8B-B14F-4D97-AF65-F5344CB8AC3E}">
+        <p14:creationId xmlns:p14="http://schemas.microsoft.com/office/powerpoint/2010/main" val="4097986911"/>
       </p:ext>
     </p:extLst>
   </p:cSld>

--- a/MathInML_Presentation.pptx
+++ b/MathInML_Presentation.pptx
@@ -5962,31 +5962,6 @@
       </p:grpSpPr>
       <p:sp>
         <p:nvSpPr>
-          <p:cNvPr id="2" name="Title 1">
-            <a:extLst>
-              <a:ext uri="{FF2B5EF4-FFF2-40B4-BE49-F238E27FC236}">
-                <a16:creationId xmlns:a16="http://schemas.microsoft.com/office/drawing/2014/main" id="{83383B35-A594-6FEC-F6C6-164DA29E33A1}"/>
-              </a:ext>
-            </a:extLst>
-          </p:cNvPr>
-          <p:cNvSpPr>
-            <a:spLocks noGrp="1"/>
-          </p:cNvSpPr>
-          <p:nvPr>
-            <p:ph type="title"/>
-          </p:nvPr>
-        </p:nvSpPr>
-        <p:spPr/>
-        <p:txBody>
-          <a:bodyPr/>
-          <a:lstStyle/>
-          <a:p>
-            <a:endParaRPr lang="en-US" dirty="0"/>
-          </a:p>
-        </p:txBody>
-      </p:sp>
-      <p:sp>
-        <p:nvSpPr>
           <p:cNvPr id="3" name="Content Placeholder 2">
             <a:extLst>
               <a:ext uri="{FF2B5EF4-FFF2-40B4-BE49-F238E27FC236}">
@@ -5998,10 +5973,15 @@
             <a:spLocks noGrp="1"/>
           </p:cNvSpPr>
           <p:nvPr>
-            <p:ph idx="1"/>
-          </p:nvPr>
-        </p:nvSpPr>
-        <p:spPr/>
+            <p:ph idx="4294967295"/>
+          </p:nvPr>
+        </p:nvSpPr>
+        <p:spPr>
+          <a:xfrm>
+            <a:off x="838200" y="1387475"/>
+            <a:ext cx="10515600" cy="4351338"/>
+          </a:xfrm>
+        </p:spPr>
         <p:txBody>
           <a:bodyPr/>
           <a:lstStyle/>
@@ -6295,8 +6275,8 @@
           </a:p>
         </p:txBody>
       </p:sp>
-      <mc:AlternateContent xmlns:mc="http://schemas.openxmlformats.org/markup-compatibility/2006">
-        <mc:Choice xmlns:a14="http://schemas.microsoft.com/office/drawing/2010/main" Requires="a14">
+      <mc:AlternateContent xmlns:mc="http://schemas.openxmlformats.org/markup-compatibility/2006" xmlns:a14="http://schemas.microsoft.com/office/drawing/2010/main">
+        <mc:Choice Requires="a14">
           <p:sp>
             <p:nvSpPr>
               <p:cNvPr id="3" name="Content Placeholder 2">
@@ -6323,7 +6303,6 @@
               <a:bodyPr/>
               <a:lstStyle/>
               <a:p>
-                <a:pPr/>
                 <a:endParaRPr lang="en-US" sz="1800" dirty="0">
                   <a:effectLst/>
                   <a:latin typeface="Calibri" panose="020F0502020204030204" pitchFamily="34" charset="0"/>
@@ -6347,73 +6326,103 @@
                       <m:sSub>
                         <m:sSubPr>
                           <m:ctrlPr>
-                            <a:rPr lang="en-US" i="1" smtClean="0"/>
+                            <a:rPr lang="en-US" i="1" smtClean="0">
+                              <a:latin typeface="Cambria Math" panose="02040503050406030204" pitchFamily="18" charset="0"/>
+                            </a:rPr>
                           </m:ctrlPr>
                         </m:sSubPr>
                         <m:e>
                           <m:r>
-                            <a:rPr lang="en-US" i="1"/>
+                            <a:rPr lang="en-US" i="1">
+                              <a:latin typeface="Cambria Math" panose="02040503050406030204" pitchFamily="18" charset="0"/>
+                            </a:rPr>
                             <m:t>𝑥</m:t>
                           </m:r>
                         </m:e>
                         <m:sub>
                           <m:r>
-                            <a:rPr lang="en-US" i="1"/>
+                            <a:rPr lang="en-US" i="1">
+                              <a:latin typeface="Cambria Math" panose="02040503050406030204" pitchFamily="18" charset="0"/>
+                            </a:rPr>
                             <m:t>𝑠𝑡𝑎𝑛𝑑</m:t>
                           </m:r>
                         </m:sub>
                       </m:sSub>
                       <m:r>
-                        <a:rPr lang="en-US" i="1"/>
+                        <a:rPr lang="en-US" i="1">
+                          <a:latin typeface="Cambria Math" panose="02040503050406030204" pitchFamily="18" charset="0"/>
+                        </a:rPr>
                         <m:t>=</m:t>
                       </m:r>
                       <m:f>
                         <m:fPr>
                           <m:ctrlPr>
-                            <a:rPr lang="en-US" i="1"/>
+                            <a:rPr lang="en-US" i="1">
+                              <a:latin typeface="Cambria Math" panose="02040503050406030204" pitchFamily="18" charset="0"/>
+                            </a:rPr>
                           </m:ctrlPr>
                         </m:fPr>
                         <m:num>
                           <m:r>
-                            <a:rPr lang="en-US" i="1"/>
+                            <a:rPr lang="en-US" i="1">
+                              <a:latin typeface="Cambria Math" panose="02040503050406030204" pitchFamily="18" charset="0"/>
+                            </a:rPr>
                             <m:t>𝑥</m:t>
                           </m:r>
                           <m:r>
-                            <a:rPr lang="en-US" i="1"/>
+                            <a:rPr lang="en-US" i="1">
+                              <a:latin typeface="Cambria Math" panose="02040503050406030204" pitchFamily="18" charset="0"/>
+                            </a:rPr>
                             <m:t>−</m:t>
                           </m:r>
                           <m:r>
-                            <a:rPr lang="en-US" i="1"/>
+                            <a:rPr lang="en-US" i="1">
+                              <a:latin typeface="Cambria Math" panose="02040503050406030204" pitchFamily="18" charset="0"/>
+                            </a:rPr>
                             <m:t>𝑢</m:t>
                           </m:r>
                           <m:r>
-                            <a:rPr lang="en-US" i="1"/>
+                            <a:rPr lang="en-US" i="1">
+                              <a:latin typeface="Cambria Math" panose="02040503050406030204" pitchFamily="18" charset="0"/>
+                            </a:rPr>
                             <m:t>(</m:t>
                           </m:r>
                           <m:r>
-                            <a:rPr lang="en-US" i="1"/>
+                            <a:rPr lang="en-US" i="1">
+                              <a:latin typeface="Cambria Math" panose="02040503050406030204" pitchFamily="18" charset="0"/>
+                            </a:rPr>
                             <m:t>𝑥</m:t>
                           </m:r>
                           <m:r>
-                            <a:rPr lang="en-US" i="1"/>
+                            <a:rPr lang="en-US" i="1">
+                              <a:latin typeface="Cambria Math" panose="02040503050406030204" pitchFamily="18" charset="0"/>
+                            </a:rPr>
                             <m:t>)</m:t>
                           </m:r>
                         </m:num>
                         <m:den>
                           <m:r>
-                            <a:rPr lang="en-US" i="1"/>
+                            <a:rPr lang="en-US" i="1">
+                              <a:latin typeface="Cambria Math" panose="02040503050406030204" pitchFamily="18" charset="0"/>
+                            </a:rPr>
                             <m:t>𝑠𝑑</m:t>
                           </m:r>
                           <m:r>
-                            <a:rPr lang="en-US" i="1"/>
+                            <a:rPr lang="en-US" i="1">
+                              <a:latin typeface="Cambria Math" panose="02040503050406030204" pitchFamily="18" charset="0"/>
+                            </a:rPr>
                             <m:t>(</m:t>
                           </m:r>
                           <m:r>
-                            <a:rPr lang="en-US" i="1"/>
+                            <a:rPr lang="en-US" i="1">
+                              <a:latin typeface="Cambria Math" panose="02040503050406030204" pitchFamily="18" charset="0"/>
+                            </a:rPr>
                             <m:t>𝑥</m:t>
                           </m:r>
                           <m:r>
-                            <a:rPr lang="en-US" i="1"/>
+                            <a:rPr lang="en-US" i="1">
+                              <a:latin typeface="Cambria Math" panose="02040503050406030204" pitchFamily="18" charset="0"/>
+                            </a:rPr>
                             <m:t>)</m:t>
                           </m:r>
                         </m:den>
@@ -6426,7 +6435,7 @@
             </p:txBody>
           </p:sp>
         </mc:Choice>
-        <mc:Fallback>
+        <mc:Fallback xmlns="">
           <p:sp>
             <p:nvSpPr>
               <p:cNvPr id="3" name="Content Placeholder 2">
@@ -6957,8 +6966,8 @@
           </a:p>
         </p:txBody>
       </p:sp>
-      <mc:AlternateContent xmlns:mc="http://schemas.openxmlformats.org/markup-compatibility/2006">
-        <mc:Choice xmlns:a14="http://schemas.microsoft.com/office/drawing/2010/main" Requires="a14">
+      <mc:AlternateContent xmlns:mc="http://schemas.openxmlformats.org/markup-compatibility/2006" xmlns:a14="http://schemas.microsoft.com/office/drawing/2010/main">
+        <mc:Choice Requires="a14">
           <p:sp>
             <p:nvSpPr>
               <p:cNvPr id="3" name="Content Placeholder 2">
@@ -7031,7 +7040,7 @@
                               <m:nor/>
                             </m:rPr>
                             <a:rPr lang="en-US" dirty="0"/>
-                            <m:t>-</m:t>
+                            <m:t>−</m:t>
                           </m:r>
                           <m:r>
                             <m:rPr>
@@ -7075,7 +7084,7 @@
             </p:txBody>
           </p:sp>
         </mc:Choice>
-        <mc:Fallback>
+        <mc:Fallback xmlns="">
           <p:sp>
             <p:nvSpPr>
               <p:cNvPr id="3" name="Content Placeholder 2">

--- a/MathInML_Presentation.pptx
+++ b/MathInML_Presentation.pptx
@@ -278,7 +278,7 @@
           <a:p>
             <a:fld id="{C69DFADA-473A-4929-BD49-9562253066A6}" type="datetimeFigureOut">
               <a:rPr lang="en-US" smtClean="0"/>
-              <a:t>9/6/2022</a:t>
+              <a:t>9/7/2022</a:t>
             </a:fld>
             <a:endParaRPr lang="en-US"/>
           </a:p>
@@ -476,7 +476,7 @@
           <a:p>
             <a:fld id="{C69DFADA-473A-4929-BD49-9562253066A6}" type="datetimeFigureOut">
               <a:rPr lang="en-US" smtClean="0"/>
-              <a:t>9/6/2022</a:t>
+              <a:t>9/7/2022</a:t>
             </a:fld>
             <a:endParaRPr lang="en-US"/>
           </a:p>
@@ -684,7 +684,7 @@
           <a:p>
             <a:fld id="{C69DFADA-473A-4929-BD49-9562253066A6}" type="datetimeFigureOut">
               <a:rPr lang="en-US" smtClean="0"/>
-              <a:t>9/6/2022</a:t>
+              <a:t>9/7/2022</a:t>
             </a:fld>
             <a:endParaRPr lang="en-US"/>
           </a:p>
@@ -882,7 +882,7 @@
           <a:p>
             <a:fld id="{C69DFADA-473A-4929-BD49-9562253066A6}" type="datetimeFigureOut">
               <a:rPr lang="en-US" smtClean="0"/>
-              <a:t>9/6/2022</a:t>
+              <a:t>9/7/2022</a:t>
             </a:fld>
             <a:endParaRPr lang="en-US"/>
           </a:p>
@@ -1157,7 +1157,7 @@
           <a:p>
             <a:fld id="{C69DFADA-473A-4929-BD49-9562253066A6}" type="datetimeFigureOut">
               <a:rPr lang="en-US" smtClean="0"/>
-              <a:t>9/6/2022</a:t>
+              <a:t>9/7/2022</a:t>
             </a:fld>
             <a:endParaRPr lang="en-US"/>
           </a:p>
@@ -1422,7 +1422,7 @@
           <a:p>
             <a:fld id="{C69DFADA-473A-4929-BD49-9562253066A6}" type="datetimeFigureOut">
               <a:rPr lang="en-US" smtClean="0"/>
-              <a:t>9/6/2022</a:t>
+              <a:t>9/7/2022</a:t>
             </a:fld>
             <a:endParaRPr lang="en-US"/>
           </a:p>
@@ -1834,7 +1834,7 @@
           <a:p>
             <a:fld id="{C69DFADA-473A-4929-BD49-9562253066A6}" type="datetimeFigureOut">
               <a:rPr lang="en-US" smtClean="0"/>
-              <a:t>9/6/2022</a:t>
+              <a:t>9/7/2022</a:t>
             </a:fld>
             <a:endParaRPr lang="en-US"/>
           </a:p>
@@ -1975,7 +1975,7 @@
           <a:p>
             <a:fld id="{C69DFADA-473A-4929-BD49-9562253066A6}" type="datetimeFigureOut">
               <a:rPr lang="en-US" smtClean="0"/>
-              <a:t>9/6/2022</a:t>
+              <a:t>9/7/2022</a:t>
             </a:fld>
             <a:endParaRPr lang="en-US"/>
           </a:p>
@@ -2088,7 +2088,7 @@
           <a:p>
             <a:fld id="{C69DFADA-473A-4929-BD49-9562253066A6}" type="datetimeFigureOut">
               <a:rPr lang="en-US" smtClean="0"/>
-              <a:t>9/6/2022</a:t>
+              <a:t>9/7/2022</a:t>
             </a:fld>
             <a:endParaRPr lang="en-US"/>
           </a:p>
@@ -2399,7 +2399,7 @@
           <a:p>
             <a:fld id="{C69DFADA-473A-4929-BD49-9562253066A6}" type="datetimeFigureOut">
               <a:rPr lang="en-US" smtClean="0"/>
-              <a:t>9/6/2022</a:t>
+              <a:t>9/7/2022</a:t>
             </a:fld>
             <a:endParaRPr lang="en-US"/>
           </a:p>
@@ -2687,7 +2687,7 @@
           <a:p>
             <a:fld id="{C69DFADA-473A-4929-BD49-9562253066A6}" type="datetimeFigureOut">
               <a:rPr lang="en-US" smtClean="0"/>
-              <a:t>9/6/2022</a:t>
+              <a:t>9/7/2022</a:t>
             </a:fld>
             <a:endParaRPr lang="en-US"/>
           </a:p>
@@ -2928,7 +2928,7 @@
           <a:p>
             <a:fld id="{C69DFADA-473A-4929-BD49-9562253066A6}" type="datetimeFigureOut">
               <a:rPr lang="en-US" smtClean="0"/>
-              <a:t>9/6/2022</a:t>
+              <a:t>9/7/2022</a:t>
             </a:fld>
             <a:endParaRPr lang="en-US"/>
           </a:p>
@@ -6275,8 +6275,8 @@
           </a:p>
         </p:txBody>
       </p:sp>
-      <mc:AlternateContent xmlns:mc="http://schemas.openxmlformats.org/markup-compatibility/2006" xmlns:a14="http://schemas.microsoft.com/office/drawing/2010/main">
-        <mc:Choice Requires="a14">
+      <mc:AlternateContent xmlns:mc="http://schemas.openxmlformats.org/markup-compatibility/2006">
+        <mc:Choice xmlns:a14="http://schemas.microsoft.com/office/drawing/2010/main" Requires="a14">
           <p:sp>
             <p:nvSpPr>
               <p:cNvPr id="3" name="Content Placeholder 2">
@@ -6295,8 +6295,8 @@
             </p:nvSpPr>
             <p:spPr>
               <a:xfrm>
-                <a:off x="4663272" y="4615007"/>
-                <a:ext cx="2865453" cy="2099830"/>
+                <a:off x="4271271" y="4758170"/>
+                <a:ext cx="3649455" cy="2099830"/>
               </a:xfrm>
             </p:spPr>
             <p:txBody>
@@ -6326,7 +6326,7 @@
                       <m:sSub>
                         <m:sSubPr>
                           <m:ctrlPr>
-                            <a:rPr lang="en-US" i="1" smtClean="0">
+                            <a:rPr lang="en-US" i="1">
                               <a:latin typeface="Cambria Math" panose="02040503050406030204" pitchFamily="18" charset="0"/>
                             </a:rPr>
                           </m:ctrlPr>
@@ -6352,7 +6352,7 @@
                         <a:rPr lang="en-US" i="1">
                           <a:latin typeface="Cambria Math" panose="02040503050406030204" pitchFamily="18" charset="0"/>
                         </a:rPr>
-                        <m:t>=</m:t>
+                        <m:t> =</m:t>
                       </m:r>
                       <m:f>
                         <m:fPr>
@@ -6435,7 +6435,7 @@
             </p:txBody>
           </p:sp>
         </mc:Choice>
-        <mc:Fallback xmlns="">
+        <mc:Fallback>
           <p:sp>
             <p:nvSpPr>
               <p:cNvPr id="3" name="Content Placeholder 2">
@@ -6454,8 +6454,8 @@
             </p:nvSpPr>
             <p:spPr>
               <a:xfrm>
-                <a:off x="4663272" y="4615007"/>
-                <a:ext cx="2865453" cy="2099830"/>
+                <a:off x="4271271" y="4758170"/>
+                <a:ext cx="3649455" cy="2099830"/>
               </a:xfrm>
               <a:blipFill>
                 <a:blip r:embed="rId2"/>
@@ -6966,8 +6966,8 @@
           </a:p>
         </p:txBody>
       </p:sp>
-      <mc:AlternateContent xmlns:mc="http://schemas.openxmlformats.org/markup-compatibility/2006" xmlns:a14="http://schemas.microsoft.com/office/drawing/2010/main">
-        <mc:Choice Requires="a14">
+      <mc:AlternateContent xmlns:mc="http://schemas.openxmlformats.org/markup-compatibility/2006">
+        <mc:Choice xmlns:a14="http://schemas.microsoft.com/office/drawing/2010/main" Requires="a14">
           <p:sp>
             <p:nvSpPr>
               <p:cNvPr id="3" name="Content Placeholder 2">
@@ -7078,13 +7078,13 @@
                 </a:pPr>
                 <a:r>
                   <a:rPr lang="en-US" dirty="0"/>
-                  <a:t>Attributes with a z-score more that 3 will be eliminated </a:t>
+                  <a:t>Attributes with a Z-score more that 3 will be eliminated </a:t>
                 </a:r>
               </a:p>
             </p:txBody>
           </p:sp>
         </mc:Choice>
-        <mc:Fallback xmlns="">
+        <mc:Fallback>
           <p:sp>
             <p:nvSpPr>
               <p:cNvPr id="3" name="Content Placeholder 2">
